--- a/output/escalation_report_2025-12-23.pptx
+++ b/output/escalation_report_2025-12-23.pptx
@@ -5,36 +5,36 @@
     <p:sldMasterId id="2147483648" r:id="rId1"/>
   </p:sldMasterIdLst>
   <p:sldIdLst>
-    <p:sldId id="256" r:id="rId7"/>
-    <p:sldId id="257" r:id="rId8"/>
-    <p:sldId id="258" r:id="rId9"/>
-    <p:sldId id="259" r:id="rId10"/>
-    <p:sldId id="260" r:id="rId11"/>
-    <p:sldId id="261" r:id="rId12"/>
-    <p:sldId id="262" r:id="rId13"/>
-    <p:sldId id="263" r:id="rId14"/>
-    <p:sldId id="264" r:id="rId15"/>
-    <p:sldId id="265" r:id="rId16"/>
-    <p:sldId id="266" r:id="rId17"/>
-    <p:sldId id="267" r:id="rId18"/>
-    <p:sldId id="268" r:id="rId19"/>
-    <p:sldId id="269" r:id="rId20"/>
-    <p:sldId id="270" r:id="rId21"/>
-    <p:sldId id="271" r:id="rId22"/>
-    <p:sldId id="272" r:id="rId23"/>
-    <p:sldId id="273" r:id="rId24"/>
-    <p:sldId id="274" r:id="rId25"/>
-    <p:sldId id="275" r:id="rId26"/>
-    <p:sldId id="276" r:id="rId27"/>
-    <p:sldId id="277" r:id="rId28"/>
-    <p:sldId id="278" r:id="rId29"/>
-    <p:sldId id="279" r:id="rId30"/>
-    <p:sldId id="280" r:id="rId31"/>
-    <p:sldId id="281" r:id="rId32"/>
-    <p:sldId id="282" r:id="rId33"/>
-    <p:sldId id="283" r:id="rId34"/>
+    <p:sldId id="256" r:id="rId2"/>
+    <p:sldId id="257" r:id="rId3"/>
+    <p:sldId id="258" r:id="rId4"/>
+    <p:sldId id="259" r:id="rId5"/>
+    <p:sldId id="260" r:id="rId6"/>
+    <p:sldId id="261" r:id="rId7"/>
+    <p:sldId id="262" r:id="rId8"/>
+    <p:sldId id="263" r:id="rId9"/>
+    <p:sldId id="264" r:id="rId10"/>
+    <p:sldId id="265" r:id="rId11"/>
+    <p:sldId id="266" r:id="rId12"/>
+    <p:sldId id="267" r:id="rId13"/>
+    <p:sldId id="268" r:id="rId14"/>
+    <p:sldId id="269" r:id="rId15"/>
+    <p:sldId id="270" r:id="rId16"/>
+    <p:sldId id="271" r:id="rId17"/>
+    <p:sldId id="272" r:id="rId18"/>
+    <p:sldId id="273" r:id="rId19"/>
+    <p:sldId id="274" r:id="rId20"/>
+    <p:sldId id="275" r:id="rId21"/>
+    <p:sldId id="276" r:id="rId22"/>
+    <p:sldId id="277" r:id="rId23"/>
+    <p:sldId id="278" r:id="rId24"/>
+    <p:sldId id="279" r:id="rId25"/>
+    <p:sldId id="280" r:id="rId26"/>
+    <p:sldId id="281" r:id="rId27"/>
+    <p:sldId id="282" r:id="rId28"/>
+    <p:sldId id="283" r:id="rId29"/>
   </p:sldIdLst>
-  <p:sldSz cx="9144000" cy="5143500" type="screen4x3"/>
+  <p:sldSz cx="9144000" cy="5143500" type="screen16x9"/>
   <p:notesSz cx="6858000" cy="9144000"/>
   <p:defaultTextStyle>
     <a:defPPr>
@@ -131,6 +131,22 @@
       </a:defRPr>
     </a:lvl9pPr>
   </p:defaultTextStyle>
+  <p:extLst>
+    <p:ext uri="{EFAFB233-063F-42B5-8137-9DF3F51BA10A}">
+      <p15:sldGuideLst xmlns:p15="http://schemas.microsoft.com/office/powerpoint/2012/main">
+        <p15:guide id="1" orient="horz" pos="2160">
+          <p15:clr>
+            <a:srgbClr val="A4A3A4"/>
+          </p15:clr>
+        </p15:guide>
+        <p15:guide id="2" pos="2880">
+          <p15:clr>
+            <a:srgbClr val="A4A3A4"/>
+          </p15:clr>
+        </p15:guide>
+      </p15:sldGuideLst>
+    </p:ext>
+  </p:extLst>
 </p:presentation>
 </file>
 
@@ -172,10 +188,9 @@
           <a:lstStyle/>
           <a:p>
             <a:r>
-              <a:rPr lang="en-US" smtClean="0"/>
+              <a:rPr lang="en-US"/>
               <a:t>Click to edit Master title style</a:t>
             </a:r>
-            <a:endParaRPr lang="en-US"/>
           </a:p>
         </p:txBody>
       </p:sp>
@@ -291,10 +306,9 @@
           </a:lstStyle>
           <a:p>
             <a:r>
-              <a:rPr lang="en-US" smtClean="0"/>
+              <a:rPr lang="en-US"/>
               <a:t>Click to edit Master subtitle style</a:t>
             </a:r>
-            <a:endParaRPr lang="en-US"/>
           </a:p>
         </p:txBody>
       </p:sp>
@@ -315,7 +329,7 @@
           <a:p>
             <a:fld id="{5BCAD085-E8A6-8845-BD4E-CB4CCA059FC4}" type="datetimeFigureOut">
               <a:rPr lang="en-US" smtClean="0"/>
-              <a:t>1/27/13</a:t>
+              <a:t>12/23/25</a:t>
             </a:fld>
             <a:endParaRPr lang="en-US"/>
           </a:p>
@@ -409,10 +423,9 @@
           <a:lstStyle/>
           <a:p>
             <a:r>
-              <a:rPr lang="en-US" smtClean="0"/>
+              <a:rPr lang="en-US"/>
               <a:t>Click to edit Master title style</a:t>
             </a:r>
-            <a:endParaRPr lang="en-US"/>
           </a:p>
         </p:txBody>
       </p:sp>
@@ -433,38 +446,37 @@
           <a:p>
             <a:pPr lvl="0"/>
             <a:r>
-              <a:rPr lang="en-US" smtClean="0"/>
+              <a:rPr lang="en-US"/>
               <a:t>Click to edit Master text styles</a:t>
             </a:r>
           </a:p>
           <a:p>
             <a:pPr lvl="1"/>
             <a:r>
-              <a:rPr lang="en-US" smtClean="0"/>
+              <a:rPr lang="en-US"/>
               <a:t>Second level</a:t>
             </a:r>
           </a:p>
           <a:p>
             <a:pPr lvl="2"/>
             <a:r>
-              <a:rPr lang="en-US" smtClean="0"/>
+              <a:rPr lang="en-US"/>
               <a:t>Third level</a:t>
             </a:r>
           </a:p>
           <a:p>
             <a:pPr lvl="3"/>
             <a:r>
-              <a:rPr lang="en-US" smtClean="0"/>
+              <a:rPr lang="en-US"/>
               <a:t>Fourth level</a:t>
             </a:r>
           </a:p>
           <a:p>
             <a:pPr lvl="4"/>
             <a:r>
-              <a:rPr lang="en-US" smtClean="0"/>
+              <a:rPr lang="en-US"/>
               <a:t>Fifth level</a:t>
             </a:r>
-            <a:endParaRPr lang="en-US"/>
           </a:p>
         </p:txBody>
       </p:sp>
@@ -485,7 +497,7 @@
           <a:p>
             <a:fld id="{5BCAD085-E8A6-8845-BD4E-CB4CCA059FC4}" type="datetimeFigureOut">
               <a:rPr lang="en-US" smtClean="0"/>
-              <a:t>1/27/13</a:t>
+              <a:t>12/23/25</a:t>
             </a:fld>
             <a:endParaRPr lang="en-US"/>
           </a:p>
@@ -584,10 +596,9 @@
           <a:lstStyle/>
           <a:p>
             <a:r>
-              <a:rPr lang="en-US" smtClean="0"/>
+              <a:rPr lang="en-US"/>
               <a:t>Click to edit Master title style</a:t>
             </a:r>
-            <a:endParaRPr lang="en-US"/>
           </a:p>
         </p:txBody>
       </p:sp>
@@ -613,38 +624,37 @@
           <a:p>
             <a:pPr lvl="0"/>
             <a:r>
-              <a:rPr lang="en-US" smtClean="0"/>
+              <a:rPr lang="en-US"/>
               <a:t>Click to edit Master text styles</a:t>
             </a:r>
           </a:p>
           <a:p>
             <a:pPr lvl="1"/>
             <a:r>
-              <a:rPr lang="en-US" smtClean="0"/>
+              <a:rPr lang="en-US"/>
               <a:t>Second level</a:t>
             </a:r>
           </a:p>
           <a:p>
             <a:pPr lvl="2"/>
             <a:r>
-              <a:rPr lang="en-US" smtClean="0"/>
+              <a:rPr lang="en-US"/>
               <a:t>Third level</a:t>
             </a:r>
           </a:p>
           <a:p>
             <a:pPr lvl="3"/>
             <a:r>
-              <a:rPr lang="en-US" smtClean="0"/>
+              <a:rPr lang="en-US"/>
               <a:t>Fourth level</a:t>
             </a:r>
           </a:p>
           <a:p>
             <a:pPr lvl="4"/>
             <a:r>
-              <a:rPr lang="en-US" smtClean="0"/>
+              <a:rPr lang="en-US"/>
               <a:t>Fifth level</a:t>
             </a:r>
-            <a:endParaRPr lang="en-US"/>
           </a:p>
         </p:txBody>
       </p:sp>
@@ -665,7 +675,7 @@
           <a:p>
             <a:fld id="{5BCAD085-E8A6-8845-BD4E-CB4CCA059FC4}" type="datetimeFigureOut">
               <a:rPr lang="en-US" smtClean="0"/>
-              <a:t>1/27/13</a:t>
+              <a:t>12/23/25</a:t>
             </a:fld>
             <a:endParaRPr lang="en-US"/>
           </a:p>
@@ -759,10 +769,9 @@
           <a:lstStyle/>
           <a:p>
             <a:r>
-              <a:rPr lang="en-US" smtClean="0"/>
+              <a:rPr lang="en-US"/>
               <a:t>Click to edit Master title style</a:t>
             </a:r>
-            <a:endParaRPr lang="en-US"/>
           </a:p>
         </p:txBody>
       </p:sp>
@@ -783,38 +792,37 @@
           <a:p>
             <a:pPr lvl="0"/>
             <a:r>
-              <a:rPr lang="en-US" smtClean="0"/>
+              <a:rPr lang="en-US"/>
               <a:t>Click to edit Master text styles</a:t>
             </a:r>
           </a:p>
           <a:p>
             <a:pPr lvl="1"/>
             <a:r>
-              <a:rPr lang="en-US" smtClean="0"/>
+              <a:rPr lang="en-US"/>
               <a:t>Second level</a:t>
             </a:r>
           </a:p>
           <a:p>
             <a:pPr lvl="2"/>
             <a:r>
-              <a:rPr lang="en-US" smtClean="0"/>
+              <a:rPr lang="en-US"/>
               <a:t>Third level</a:t>
             </a:r>
           </a:p>
           <a:p>
             <a:pPr lvl="3"/>
             <a:r>
-              <a:rPr lang="en-US" smtClean="0"/>
+              <a:rPr lang="en-US"/>
               <a:t>Fourth level</a:t>
             </a:r>
           </a:p>
           <a:p>
             <a:pPr lvl="4"/>
             <a:r>
-              <a:rPr lang="en-US" smtClean="0"/>
+              <a:rPr lang="en-US"/>
               <a:t>Fifth level</a:t>
             </a:r>
-            <a:endParaRPr lang="en-US"/>
           </a:p>
         </p:txBody>
       </p:sp>
@@ -835,7 +843,7 @@
           <a:p>
             <a:fld id="{5BCAD085-E8A6-8845-BD4E-CB4CCA059FC4}" type="datetimeFigureOut">
               <a:rPr lang="en-US" smtClean="0"/>
-              <a:t>1/27/13</a:t>
+              <a:t>12/23/25</a:t>
             </a:fld>
             <a:endParaRPr lang="en-US"/>
           </a:p>
@@ -938,10 +946,9 @@
           </a:lstStyle>
           <a:p>
             <a:r>
-              <a:rPr lang="en-US" smtClean="0"/>
+              <a:rPr lang="en-US"/>
               <a:t>Click to edit Master title style</a:t>
             </a:r>
-            <a:endParaRPr lang="en-US"/>
           </a:p>
         </p:txBody>
       </p:sp>
@@ -1058,7 +1065,7 @@
           <a:p>
             <a:pPr lvl="0"/>
             <a:r>
-              <a:rPr lang="en-US" smtClean="0"/>
+              <a:rPr lang="en-US"/>
               <a:t>Click to edit Master text styles</a:t>
             </a:r>
           </a:p>
@@ -1081,7 +1088,7 @@
           <a:p>
             <a:fld id="{5BCAD085-E8A6-8845-BD4E-CB4CCA059FC4}" type="datetimeFigureOut">
               <a:rPr lang="en-US" smtClean="0"/>
-              <a:t>1/27/13</a:t>
+              <a:t>12/23/25</a:t>
             </a:fld>
             <a:endParaRPr lang="en-US"/>
           </a:p>
@@ -1175,10 +1182,9 @@
           <a:lstStyle/>
           <a:p>
             <a:r>
-              <a:rPr lang="en-US" smtClean="0"/>
+              <a:rPr lang="en-US"/>
               <a:t>Click to edit Master title style</a:t>
             </a:r>
-            <a:endParaRPr lang="en-US"/>
           </a:p>
         </p:txBody>
       </p:sp>
@@ -1232,38 +1238,37 @@
           <a:p>
             <a:pPr lvl="0"/>
             <a:r>
-              <a:rPr lang="en-US" smtClean="0"/>
+              <a:rPr lang="en-US"/>
               <a:t>Click to edit Master text styles</a:t>
             </a:r>
           </a:p>
           <a:p>
             <a:pPr lvl="1"/>
             <a:r>
-              <a:rPr lang="en-US" smtClean="0"/>
+              <a:rPr lang="en-US"/>
               <a:t>Second level</a:t>
             </a:r>
           </a:p>
           <a:p>
             <a:pPr lvl="2"/>
             <a:r>
-              <a:rPr lang="en-US" smtClean="0"/>
+              <a:rPr lang="en-US"/>
               <a:t>Third level</a:t>
             </a:r>
           </a:p>
           <a:p>
             <a:pPr lvl="3"/>
             <a:r>
-              <a:rPr lang="en-US" smtClean="0"/>
+              <a:rPr lang="en-US"/>
               <a:t>Fourth level</a:t>
             </a:r>
           </a:p>
           <a:p>
             <a:pPr lvl="4"/>
             <a:r>
-              <a:rPr lang="en-US" smtClean="0"/>
+              <a:rPr lang="en-US"/>
               <a:t>Fifth level</a:t>
             </a:r>
-            <a:endParaRPr lang="en-US"/>
           </a:p>
         </p:txBody>
       </p:sp>
@@ -1317,38 +1322,37 @@
           <a:p>
             <a:pPr lvl="0"/>
             <a:r>
-              <a:rPr lang="en-US" smtClean="0"/>
+              <a:rPr lang="en-US"/>
               <a:t>Click to edit Master text styles</a:t>
             </a:r>
           </a:p>
           <a:p>
             <a:pPr lvl="1"/>
             <a:r>
-              <a:rPr lang="en-US" smtClean="0"/>
+              <a:rPr lang="en-US"/>
               <a:t>Second level</a:t>
             </a:r>
           </a:p>
           <a:p>
             <a:pPr lvl="2"/>
             <a:r>
-              <a:rPr lang="en-US" smtClean="0"/>
+              <a:rPr lang="en-US"/>
               <a:t>Third level</a:t>
             </a:r>
           </a:p>
           <a:p>
             <a:pPr lvl="3"/>
             <a:r>
-              <a:rPr lang="en-US" smtClean="0"/>
+              <a:rPr lang="en-US"/>
               <a:t>Fourth level</a:t>
             </a:r>
           </a:p>
           <a:p>
             <a:pPr lvl="4"/>
             <a:r>
-              <a:rPr lang="en-US" smtClean="0"/>
+              <a:rPr lang="en-US"/>
               <a:t>Fifth level</a:t>
             </a:r>
-            <a:endParaRPr lang="en-US"/>
           </a:p>
         </p:txBody>
       </p:sp>
@@ -1369,7 +1373,7 @@
           <a:p>
             <a:fld id="{5BCAD085-E8A6-8845-BD4E-CB4CCA059FC4}" type="datetimeFigureOut">
               <a:rPr lang="en-US" smtClean="0"/>
-              <a:t>1/27/13</a:t>
+              <a:t>12/23/25</a:t>
             </a:fld>
             <a:endParaRPr lang="en-US"/>
           </a:p>
@@ -1467,10 +1471,9 @@
           </a:lstStyle>
           <a:p>
             <a:r>
-              <a:rPr lang="en-US" smtClean="0"/>
+              <a:rPr lang="en-US"/>
               <a:t>Click to edit Master title style</a:t>
             </a:r>
-            <a:endParaRPr lang="en-US"/>
           </a:p>
         </p:txBody>
       </p:sp>
@@ -1533,7 +1536,7 @@
           <a:p>
             <a:pPr lvl="0"/>
             <a:r>
-              <a:rPr lang="en-US" smtClean="0"/>
+              <a:rPr lang="en-US"/>
               <a:t>Click to edit Master text styles</a:t>
             </a:r>
           </a:p>
@@ -1589,38 +1592,37 @@
           <a:p>
             <a:pPr lvl="0"/>
             <a:r>
-              <a:rPr lang="en-US" smtClean="0"/>
+              <a:rPr lang="en-US"/>
               <a:t>Click to edit Master text styles</a:t>
             </a:r>
           </a:p>
           <a:p>
             <a:pPr lvl="1"/>
             <a:r>
-              <a:rPr lang="en-US" smtClean="0"/>
+              <a:rPr lang="en-US"/>
               <a:t>Second level</a:t>
             </a:r>
           </a:p>
           <a:p>
             <a:pPr lvl="2"/>
             <a:r>
-              <a:rPr lang="en-US" smtClean="0"/>
+              <a:rPr lang="en-US"/>
               <a:t>Third level</a:t>
             </a:r>
           </a:p>
           <a:p>
             <a:pPr lvl="3"/>
             <a:r>
-              <a:rPr lang="en-US" smtClean="0"/>
+              <a:rPr lang="en-US"/>
               <a:t>Fourth level</a:t>
             </a:r>
           </a:p>
           <a:p>
             <a:pPr lvl="4"/>
             <a:r>
-              <a:rPr lang="en-US" smtClean="0"/>
+              <a:rPr lang="en-US"/>
               <a:t>Fifth level</a:t>
             </a:r>
-            <a:endParaRPr lang="en-US"/>
           </a:p>
         </p:txBody>
       </p:sp>
@@ -1683,7 +1685,7 @@
           <a:p>
             <a:pPr lvl="0"/>
             <a:r>
-              <a:rPr lang="en-US" smtClean="0"/>
+              <a:rPr lang="en-US"/>
               <a:t>Click to edit Master text styles</a:t>
             </a:r>
           </a:p>
@@ -1739,38 +1741,37 @@
           <a:p>
             <a:pPr lvl="0"/>
             <a:r>
-              <a:rPr lang="en-US" smtClean="0"/>
+              <a:rPr lang="en-US"/>
               <a:t>Click to edit Master text styles</a:t>
             </a:r>
           </a:p>
           <a:p>
             <a:pPr lvl="1"/>
             <a:r>
-              <a:rPr lang="en-US" smtClean="0"/>
+              <a:rPr lang="en-US"/>
               <a:t>Second level</a:t>
             </a:r>
           </a:p>
           <a:p>
             <a:pPr lvl="2"/>
             <a:r>
-              <a:rPr lang="en-US" smtClean="0"/>
+              <a:rPr lang="en-US"/>
               <a:t>Third level</a:t>
             </a:r>
           </a:p>
           <a:p>
             <a:pPr lvl="3"/>
             <a:r>
-              <a:rPr lang="en-US" smtClean="0"/>
+              <a:rPr lang="en-US"/>
               <a:t>Fourth level</a:t>
             </a:r>
           </a:p>
           <a:p>
             <a:pPr lvl="4"/>
             <a:r>
-              <a:rPr lang="en-US" smtClean="0"/>
+              <a:rPr lang="en-US"/>
               <a:t>Fifth level</a:t>
             </a:r>
-            <a:endParaRPr lang="en-US"/>
           </a:p>
         </p:txBody>
       </p:sp>
@@ -1791,7 +1792,7 @@
           <a:p>
             <a:fld id="{5BCAD085-E8A6-8845-BD4E-CB4CCA059FC4}" type="datetimeFigureOut">
               <a:rPr lang="en-US" smtClean="0"/>
-              <a:t>1/27/13</a:t>
+              <a:t>12/23/25</a:t>
             </a:fld>
             <a:endParaRPr lang="en-US"/>
           </a:p>
@@ -1885,10 +1886,9 @@
           <a:lstStyle/>
           <a:p>
             <a:r>
-              <a:rPr lang="en-US" smtClean="0"/>
+              <a:rPr lang="en-US"/>
               <a:t>Click to edit Master title style</a:t>
             </a:r>
-            <a:endParaRPr lang="en-US"/>
           </a:p>
         </p:txBody>
       </p:sp>
@@ -1909,7 +1909,7 @@
           <a:p>
             <a:fld id="{5BCAD085-E8A6-8845-BD4E-CB4CCA059FC4}" type="datetimeFigureOut">
               <a:rPr lang="en-US" smtClean="0"/>
-              <a:t>1/27/13</a:t>
+              <a:t>12/23/25</a:t>
             </a:fld>
             <a:endParaRPr lang="en-US"/>
           </a:p>
@@ -2004,7 +2004,7 @@
           <a:p>
             <a:fld id="{5BCAD085-E8A6-8845-BD4E-CB4CCA059FC4}" type="datetimeFigureOut">
               <a:rPr lang="en-US" smtClean="0"/>
-              <a:t>1/27/13</a:t>
+              <a:t>12/23/25</a:t>
             </a:fld>
             <a:endParaRPr lang="en-US"/>
           </a:p>
@@ -2107,10 +2107,9 @@
           </a:lstStyle>
           <a:p>
             <a:r>
-              <a:rPr lang="en-US" smtClean="0"/>
+              <a:rPr lang="en-US"/>
               <a:t>Click to edit Master title style</a:t>
             </a:r>
-            <a:endParaRPr lang="en-US"/>
           </a:p>
         </p:txBody>
       </p:sp>
@@ -2164,38 +2163,37 @@
           <a:p>
             <a:pPr lvl="0"/>
             <a:r>
-              <a:rPr lang="en-US" smtClean="0"/>
+              <a:rPr lang="en-US"/>
               <a:t>Click to edit Master text styles</a:t>
             </a:r>
           </a:p>
           <a:p>
             <a:pPr lvl="1"/>
             <a:r>
-              <a:rPr lang="en-US" smtClean="0"/>
+              <a:rPr lang="en-US"/>
               <a:t>Second level</a:t>
             </a:r>
           </a:p>
           <a:p>
             <a:pPr lvl="2"/>
             <a:r>
-              <a:rPr lang="en-US" smtClean="0"/>
+              <a:rPr lang="en-US"/>
               <a:t>Third level</a:t>
             </a:r>
           </a:p>
           <a:p>
             <a:pPr lvl="3"/>
             <a:r>
-              <a:rPr lang="en-US" smtClean="0"/>
+              <a:rPr lang="en-US"/>
               <a:t>Fourth level</a:t>
             </a:r>
           </a:p>
           <a:p>
             <a:pPr lvl="4"/>
             <a:r>
-              <a:rPr lang="en-US" smtClean="0"/>
+              <a:rPr lang="en-US"/>
               <a:t>Fifth level</a:t>
             </a:r>
-            <a:endParaRPr lang="en-US"/>
           </a:p>
         </p:txBody>
       </p:sp>
@@ -2258,7 +2256,7 @@
           <a:p>
             <a:pPr lvl="0"/>
             <a:r>
-              <a:rPr lang="en-US" smtClean="0"/>
+              <a:rPr lang="en-US"/>
               <a:t>Click to edit Master text styles</a:t>
             </a:r>
           </a:p>
@@ -2281,7 +2279,7 @@
           <a:p>
             <a:fld id="{5BCAD085-E8A6-8845-BD4E-CB4CCA059FC4}" type="datetimeFigureOut">
               <a:rPr lang="en-US" smtClean="0"/>
-              <a:t>1/27/13</a:t>
+              <a:t>12/23/25</a:t>
             </a:fld>
             <a:endParaRPr lang="en-US"/>
           </a:p>
@@ -2384,10 +2382,9 @@
           </a:lstStyle>
           <a:p>
             <a:r>
-              <a:rPr lang="en-US" smtClean="0"/>
+              <a:rPr lang="en-US"/>
               <a:t>Click to edit Master title style</a:t>
             </a:r>
-            <a:endParaRPr lang="en-US"/>
           </a:p>
         </p:txBody>
       </p:sp>
@@ -2511,7 +2508,7 @@
           <a:p>
             <a:pPr lvl="0"/>
             <a:r>
-              <a:rPr lang="en-US" smtClean="0"/>
+              <a:rPr lang="en-US"/>
               <a:t>Click to edit Master text styles</a:t>
             </a:r>
           </a:p>
@@ -2534,7 +2531,7 @@
           <a:p>
             <a:fld id="{5BCAD085-E8A6-8845-BD4E-CB4CCA059FC4}" type="datetimeFigureOut">
               <a:rPr lang="en-US" smtClean="0"/>
-              <a:t>1/27/13</a:t>
+              <a:t>12/23/25</a:t>
             </a:fld>
             <a:endParaRPr lang="en-US"/>
           </a:p>
@@ -2646,10 +2643,9 @@
           <a:lstStyle/>
           <a:p>
             <a:r>
-              <a:rPr lang="en-US" smtClean="0"/>
+              <a:rPr lang="en-US"/>
               <a:t>Click to edit Master title style</a:t>
             </a:r>
-            <a:endParaRPr lang="en-US"/>
           </a:p>
         </p:txBody>
       </p:sp>
@@ -2680,38 +2676,37 @@
           <a:p>
             <a:pPr lvl="0"/>
             <a:r>
-              <a:rPr lang="en-US" smtClean="0"/>
+              <a:rPr lang="en-US"/>
               <a:t>Click to edit Master text styles</a:t>
             </a:r>
           </a:p>
           <a:p>
             <a:pPr lvl="1"/>
             <a:r>
-              <a:rPr lang="en-US" smtClean="0"/>
+              <a:rPr lang="en-US"/>
               <a:t>Second level</a:t>
             </a:r>
           </a:p>
           <a:p>
             <a:pPr lvl="2"/>
             <a:r>
-              <a:rPr lang="en-US" smtClean="0"/>
+              <a:rPr lang="en-US"/>
               <a:t>Third level</a:t>
             </a:r>
           </a:p>
           <a:p>
             <a:pPr lvl="3"/>
             <a:r>
-              <a:rPr lang="en-US" smtClean="0"/>
+              <a:rPr lang="en-US"/>
               <a:t>Fourth level</a:t>
             </a:r>
           </a:p>
           <a:p>
             <a:pPr lvl="4"/>
             <a:r>
-              <a:rPr lang="en-US" smtClean="0"/>
+              <a:rPr lang="en-US"/>
               <a:t>Fifth level</a:t>
             </a:r>
-            <a:endParaRPr lang="en-US"/>
           </a:p>
         </p:txBody>
       </p:sp>
@@ -2750,7 +2745,7 @@
           <a:p>
             <a:fld id="{5BCAD085-E8A6-8845-BD4E-CB4CCA059FC4}" type="datetimeFigureOut">
               <a:rPr lang="en-US" smtClean="0"/>
-              <a:t>1/27/13</a:t>
+              <a:t>12/23/25</a:t>
             </a:fld>
             <a:endParaRPr lang="en-US"/>
           </a:p>
@@ -3109,7 +3104,7 @@
 </file>
 
 <file path=ppt/slides/slide1.xml><?xml version="1.0" encoding="utf-8"?>
-<p:sld xmlns:a="http://schemas.openxmlformats.org/drawingml/2006/main" xmlns:p="http://schemas.openxmlformats.org/presentationml/2006/main" xmlns:r="http://schemas.openxmlformats.org/officeDocument/2006/relationships">
+<p:sld xmlns:a="http://schemas.openxmlformats.org/drawingml/2006/main" xmlns:r="http://schemas.openxmlformats.org/officeDocument/2006/relationships" xmlns:p="http://schemas.openxmlformats.org/presentationml/2006/main">
   <p:cSld>
     <p:spTree>
       <p:nvGrpSpPr>
@@ -3117,7 +3112,14 @@
         <p:cNvGrpSpPr/>
         <p:nvPr/>
       </p:nvGrpSpPr>
-      <p:grpSpPr/>
+      <p:grpSpPr>
+        <a:xfrm>
+          <a:off x="0" y="0"/>
+          <a:ext cx="0" cy="0"/>
+          <a:chOff x="0" y="0"/>
+          <a:chExt cx="0" cy="0"/>
+        </a:xfrm>
+      </p:grpSpPr>
       <p:sp>
         <p:nvSpPr>
           <p:cNvPr id="2" name="Rectangle 1"/>
@@ -3132,9 +3134,17 @@
           <a:prstGeom prst="rect">
             <a:avLst/>
           </a:prstGeom>
-          <a:solidFill>
-            <a:srgbClr val="004C97"/>
-          </a:solidFill>
+          <a:gradFill rotWithShape="1">
+            <a:gsLst>
+              <a:gs pos="0">
+                <a:srgbClr val="009CDE"/>
+              </a:gs>
+              <a:gs pos="100000">
+                <a:srgbClr val="004C97"/>
+              </a:gs>
+            </a:gsLst>
+            <a:lin ang="0" scaled="0"/>
+          </a:gradFill>
           <a:ln>
             <a:noFill/>
           </a:ln>
@@ -3158,363 +3168,20 @@
           <a:lstStyle/>
           <a:p>
             <a:pPr algn="ctr"/>
-          </a:p>
-        </p:txBody>
-      </p:sp>
-      <p:sp>
-        <p:nvSpPr>
-          <p:cNvPr id="3" name="Rectangle 2"/>
-          <p:cNvSpPr/>
-          <p:nvPr/>
-        </p:nvSpPr>
-        <p:spPr>
-          <a:xfrm>
-            <a:off x="0" y="0"/>
-            <a:ext cx="1152144" cy="5143500"/>
-          </a:xfrm>
-          <a:prstGeom prst="rect">
-            <a:avLst/>
-          </a:prstGeom>
-          <a:solidFill>
-            <a:srgbClr val="009CDE"/>
-          </a:solidFill>
-          <a:ln>
-            <a:noFill/>
-          </a:ln>
-        </p:spPr>
-        <p:style>
-          <a:lnRef idx="1">
-            <a:schemeClr val="accent1"/>
-          </a:lnRef>
-          <a:fillRef idx="3">
-            <a:schemeClr val="accent1"/>
-          </a:fillRef>
-          <a:effectRef idx="2">
-            <a:schemeClr val="accent1"/>
-          </a:effectRef>
-          <a:fontRef idx="minor">
-            <a:schemeClr val="lt1"/>
-          </a:fontRef>
-        </p:style>
-        <p:txBody>
-          <a:bodyPr rtlCol="0" anchor="ctr"/>
-          <a:lstStyle/>
-          <a:p>
-            <a:pPr algn="ctr"/>
-          </a:p>
-        </p:txBody>
-      </p:sp>
-      <p:sp>
-        <p:nvSpPr>
-          <p:cNvPr id="4" name="Rectangle 3"/>
-          <p:cNvSpPr/>
-          <p:nvPr/>
-        </p:nvSpPr>
-        <p:spPr>
-          <a:xfrm>
-            <a:off x="1143000" y="0"/>
-            <a:ext cx="1152144" cy="5143500"/>
-          </a:xfrm>
-          <a:prstGeom prst="rect">
-            <a:avLst/>
-          </a:prstGeom>
-          <a:solidFill>
-            <a:srgbClr val="0090D3"/>
-          </a:solidFill>
-          <a:ln>
-            <a:noFill/>
-          </a:ln>
-        </p:spPr>
-        <p:style>
-          <a:lnRef idx="1">
-            <a:schemeClr val="accent1"/>
-          </a:lnRef>
-          <a:fillRef idx="3">
-            <a:schemeClr val="accent1"/>
-          </a:fillRef>
-          <a:effectRef idx="2">
-            <a:schemeClr val="accent1"/>
-          </a:effectRef>
-          <a:fontRef idx="minor">
-            <a:schemeClr val="lt1"/>
-          </a:fontRef>
-        </p:style>
-        <p:txBody>
-          <a:bodyPr rtlCol="0" anchor="ctr"/>
-          <a:lstStyle/>
-          <a:p>
-            <a:pPr algn="ctr"/>
-          </a:p>
-        </p:txBody>
-      </p:sp>
-      <p:sp>
-        <p:nvSpPr>
-          <p:cNvPr id="5" name="Rectangle 4"/>
-          <p:cNvSpPr/>
-          <p:nvPr/>
-        </p:nvSpPr>
-        <p:spPr>
-          <a:xfrm>
-            <a:off x="2286000" y="0"/>
-            <a:ext cx="1152144" cy="5143500"/>
-          </a:xfrm>
-          <a:prstGeom prst="rect">
-            <a:avLst/>
-          </a:prstGeom>
-          <a:solidFill>
-            <a:srgbClr val="0085C9"/>
-          </a:solidFill>
-          <a:ln>
-            <a:noFill/>
-          </a:ln>
-        </p:spPr>
-        <p:style>
-          <a:lnRef idx="1">
-            <a:schemeClr val="accent1"/>
-          </a:lnRef>
-          <a:fillRef idx="3">
-            <a:schemeClr val="accent1"/>
-          </a:fillRef>
-          <a:effectRef idx="2">
-            <a:schemeClr val="accent1"/>
-          </a:effectRef>
-          <a:fontRef idx="minor">
-            <a:schemeClr val="lt1"/>
-          </a:fontRef>
-        </p:style>
-        <p:txBody>
-          <a:bodyPr rtlCol="0" anchor="ctr"/>
-          <a:lstStyle/>
-          <a:p>
-            <a:pPr algn="ctr"/>
-          </a:p>
-        </p:txBody>
-      </p:sp>
-      <p:sp>
-        <p:nvSpPr>
-          <p:cNvPr id="6" name="Rectangle 5"/>
-          <p:cNvSpPr/>
-          <p:nvPr/>
-        </p:nvSpPr>
-        <p:spPr>
-          <a:xfrm>
-            <a:off x="3429000" y="0"/>
-            <a:ext cx="1152144" cy="5143500"/>
-          </a:xfrm>
-          <a:prstGeom prst="rect">
-            <a:avLst/>
-          </a:prstGeom>
-          <a:solidFill>
-            <a:srgbClr val="0079BF"/>
-          </a:solidFill>
-          <a:ln>
-            <a:noFill/>
-          </a:ln>
-        </p:spPr>
-        <p:style>
-          <a:lnRef idx="1">
-            <a:schemeClr val="accent1"/>
-          </a:lnRef>
-          <a:fillRef idx="3">
-            <a:schemeClr val="accent1"/>
-          </a:fillRef>
-          <a:effectRef idx="2">
-            <a:schemeClr val="accent1"/>
-          </a:effectRef>
-          <a:fontRef idx="minor">
-            <a:schemeClr val="lt1"/>
-          </a:fontRef>
-        </p:style>
-        <p:txBody>
-          <a:bodyPr rtlCol="0" anchor="ctr"/>
-          <a:lstStyle/>
-          <a:p>
-            <a:pPr algn="ctr"/>
-          </a:p>
-        </p:txBody>
-      </p:sp>
-      <p:sp>
-        <p:nvSpPr>
-          <p:cNvPr id="7" name="Rectangle 6"/>
-          <p:cNvSpPr/>
-          <p:nvPr/>
-        </p:nvSpPr>
-        <p:spPr>
-          <a:xfrm>
-            <a:off x="4572000" y="0"/>
-            <a:ext cx="1152144" cy="5143500"/>
-          </a:xfrm>
-          <a:prstGeom prst="rect">
-            <a:avLst/>
-          </a:prstGeom>
-          <a:solidFill>
-            <a:srgbClr val="006EB5"/>
-          </a:solidFill>
-          <a:ln>
-            <a:noFill/>
-          </a:ln>
-        </p:spPr>
-        <p:style>
-          <a:lnRef idx="1">
-            <a:schemeClr val="accent1"/>
-          </a:lnRef>
-          <a:fillRef idx="3">
-            <a:schemeClr val="accent1"/>
-          </a:fillRef>
-          <a:effectRef idx="2">
-            <a:schemeClr val="accent1"/>
-          </a:effectRef>
-          <a:fontRef idx="minor">
-            <a:schemeClr val="lt1"/>
-          </a:fontRef>
-        </p:style>
-        <p:txBody>
-          <a:bodyPr rtlCol="0" anchor="ctr"/>
-          <a:lstStyle/>
-          <a:p>
-            <a:pPr algn="ctr"/>
-          </a:p>
-        </p:txBody>
-      </p:sp>
-      <p:sp>
-        <p:nvSpPr>
-          <p:cNvPr id="8" name="Rectangle 7"/>
-          <p:cNvSpPr/>
-          <p:nvPr/>
-        </p:nvSpPr>
-        <p:spPr>
-          <a:xfrm>
-            <a:off x="5715000" y="0"/>
-            <a:ext cx="1152144" cy="5143500"/>
-          </a:xfrm>
-          <a:prstGeom prst="rect">
-            <a:avLst/>
-          </a:prstGeom>
-          <a:solidFill>
-            <a:srgbClr val="0062AB"/>
-          </a:solidFill>
-          <a:ln>
-            <a:noFill/>
-          </a:ln>
-        </p:spPr>
-        <p:style>
-          <a:lnRef idx="1">
-            <a:schemeClr val="accent1"/>
-          </a:lnRef>
-          <a:fillRef idx="3">
-            <a:schemeClr val="accent1"/>
-          </a:fillRef>
-          <a:effectRef idx="2">
-            <a:schemeClr val="accent1"/>
-          </a:effectRef>
-          <a:fontRef idx="minor">
-            <a:schemeClr val="lt1"/>
-          </a:fontRef>
-        </p:style>
-        <p:txBody>
-          <a:bodyPr rtlCol="0" anchor="ctr"/>
-          <a:lstStyle/>
-          <a:p>
-            <a:pPr algn="ctr"/>
-          </a:p>
-        </p:txBody>
-      </p:sp>
-      <p:sp>
-        <p:nvSpPr>
-          <p:cNvPr id="9" name="Rectangle 8"/>
-          <p:cNvSpPr/>
-          <p:nvPr/>
-        </p:nvSpPr>
-        <p:spPr>
-          <a:xfrm>
-            <a:off x="6858000" y="0"/>
-            <a:ext cx="1152144" cy="5143500"/>
-          </a:xfrm>
-          <a:prstGeom prst="rect">
-            <a:avLst/>
-          </a:prstGeom>
-          <a:solidFill>
-            <a:srgbClr val="0057A1"/>
-          </a:solidFill>
-          <a:ln>
-            <a:noFill/>
-          </a:ln>
-        </p:spPr>
-        <p:style>
-          <a:lnRef idx="1">
-            <a:schemeClr val="accent1"/>
-          </a:lnRef>
-          <a:fillRef idx="3">
-            <a:schemeClr val="accent1"/>
-          </a:fillRef>
-          <a:effectRef idx="2">
-            <a:schemeClr val="accent1"/>
-          </a:effectRef>
-          <a:fontRef idx="minor">
-            <a:schemeClr val="lt1"/>
-          </a:fontRef>
-        </p:style>
-        <p:txBody>
-          <a:bodyPr rtlCol="0" anchor="ctr"/>
-          <a:lstStyle/>
-          <a:p>
-            <a:pPr algn="ctr"/>
-          </a:p>
-        </p:txBody>
-      </p:sp>
-      <p:sp>
-        <p:nvSpPr>
-          <p:cNvPr id="10" name="Rectangle 9"/>
-          <p:cNvSpPr/>
-          <p:nvPr/>
-        </p:nvSpPr>
-        <p:spPr>
-          <a:xfrm>
-            <a:off x="8001000" y="0"/>
-            <a:ext cx="1152144" cy="5143500"/>
-          </a:xfrm>
-          <a:prstGeom prst="rect">
-            <a:avLst/>
-          </a:prstGeom>
-          <a:solidFill>
-            <a:srgbClr val="004C97"/>
-          </a:solidFill>
-          <a:ln>
-            <a:noFill/>
-          </a:ln>
-        </p:spPr>
-        <p:style>
-          <a:lnRef idx="1">
-            <a:schemeClr val="accent1"/>
-          </a:lnRef>
-          <a:fillRef idx="3">
-            <a:schemeClr val="accent1"/>
-          </a:fillRef>
-          <a:effectRef idx="2">
-            <a:schemeClr val="accent1"/>
-          </a:effectRef>
-          <a:fontRef idx="minor">
-            <a:schemeClr val="lt1"/>
-          </a:fontRef>
-        </p:style>
-        <p:txBody>
-          <a:bodyPr rtlCol="0" anchor="ctr"/>
-          <a:lstStyle/>
-          <a:p>
-            <a:pPr algn="ctr"/>
-          </a:p>
-        </p:txBody>
-      </p:sp>
-      <p:sp>
-        <p:nvSpPr>
-          <p:cNvPr id="11" name="TextBox 10"/>
+            <a:endParaRPr/>
+          </a:p>
+        </p:txBody>
+      </p:sp>
+      <p:sp>
+        <p:nvSpPr>
+          <p:cNvPr id="3" name="TextBox 2"/>
           <p:cNvSpPr txBox="1"/>
           <p:nvPr/>
         </p:nvSpPr>
         <p:spPr>
           <a:xfrm>
             <a:off x="914400" y="1371600"/>
-            <a:ext cx="7315200" cy="1371600"/>
+            <a:ext cx="7315200" cy="769441"/>
           </a:xfrm>
           <a:prstGeom prst="rect">
             <a:avLst/>
@@ -3528,7 +3195,7 @@
           <a:lstStyle/>
           <a:p>
             <a:pPr algn="l">
-              <a:defRPr sz="11400" b="1">
+              <a:defRPr sz="7200" b="1">
                 <a:solidFill>
                   <a:srgbClr val="FFFFFF"/>
                 </a:solidFill>
@@ -3536,18 +3203,16 @@
               </a:defRPr>
             </a:pPr>
             <a:r>
-              <a:t>ESCALATION TO CLIENT</a:t>
-            </a:r>
-            <a:br/>
-            <a:r>
-              <a:t>DETAILS REPORT</a:t>
-            </a:r>
-          </a:p>
-        </p:txBody>
-      </p:sp>
-      <p:sp>
-        <p:nvSpPr>
-          <p:cNvPr id="12" name="TextBox 11"/>
+              <a:rPr lang="en-US" sz="4400" dirty="0"/>
+              <a:t>Executive Business Review</a:t>
+            </a:r>
+            <a:endParaRPr sz="4400" dirty="0"/>
+          </a:p>
+        </p:txBody>
+      </p:sp>
+      <p:sp>
+        <p:nvSpPr>
+          <p:cNvPr id="4" name="TextBox 3"/>
           <p:cNvSpPr txBox="1"/>
           <p:nvPr/>
         </p:nvSpPr>
@@ -3568,7 +3233,7 @@
           <a:lstStyle/>
           <a:p>
             <a:pPr algn="l">
-              <a:defRPr sz="2700">
+              <a:defRPr sz="2000">
                 <a:solidFill>
                   <a:srgbClr val="FFFFFF"/>
                 </a:solidFill>
@@ -3583,7 +3248,7 @@
       </p:sp>
       <p:sp>
         <p:nvSpPr>
-          <p:cNvPr id="13" name="TextBox 12"/>
+          <p:cNvPr id="5" name="TextBox 4"/>
           <p:cNvSpPr txBox="1"/>
           <p:nvPr/>
         </p:nvSpPr>
@@ -3604,7 +3269,7 @@
           <a:lstStyle/>
           <a:p>
             <a:pPr algn="l">
-              <a:defRPr sz="1800">
+              <a:defRPr sz="1400">
                 <a:solidFill>
                   <a:srgbClr val="FFFFFF"/>
                 </a:solidFill>
@@ -3619,7 +3284,7 @@
       </p:sp>
       <p:sp>
         <p:nvSpPr>
-          <p:cNvPr id="14" name="TextBox 13"/>
+          <p:cNvPr id="6" name="TextBox 5"/>
           <p:cNvSpPr txBox="1"/>
           <p:nvPr/>
         </p:nvSpPr>
@@ -3640,7 +3305,7 @@
           <a:lstStyle/>
           <a:p>
             <a:pPr algn="l">
-              <a:defRPr sz="1200">
+              <a:defRPr sz="1000">
                 <a:solidFill>
                   <a:srgbClr val="FFFFFF"/>
                 </a:solidFill>
@@ -3655,14 +3320,14 @@
       </p:sp>
       <p:sp>
         <p:nvSpPr>
-          <p:cNvPr id="15" name="TextBox 14"/>
+          <p:cNvPr id="7" name="TextBox 6"/>
           <p:cNvSpPr txBox="1"/>
           <p:nvPr/>
         </p:nvSpPr>
         <p:spPr>
           <a:xfrm>
             <a:off x="457200" y="4732020"/>
-            <a:ext cx="2743200" cy="320040"/>
+            <a:ext cx="1061509" cy="230832"/>
           </a:xfrm>
           <a:prstGeom prst="rect">
             <a:avLst/>
@@ -3684,6 +3349,11 @@
               </a:defRPr>
             </a:pPr>
             <a:r>
+              <a:rPr dirty="0">
+                <a:solidFill>
+                  <a:schemeClr val="bg1"/>
+                </a:solidFill>
+              </a:rPr>
               <a:t>DECEMBER 2025</a:t>
             </a:r>
           </a:p>
@@ -3691,14 +3361,14 @@
       </p:sp>
       <p:sp>
         <p:nvSpPr>
-          <p:cNvPr id="16" name="TextBox 15"/>
-          <p:cNvSpPr txBox="1"/>
-          <p:nvPr/>
-        </p:nvSpPr>
-        <p:spPr>
-          <a:xfrm>
-            <a:off x="3200400" y="4732020"/>
-            <a:ext cx="2743200" cy="320040"/>
+          <p:cNvPr id="8" name="TextBox 7"/>
+          <p:cNvSpPr txBox="1"/>
+          <p:nvPr/>
+        </p:nvSpPr>
+        <p:spPr>
+          <a:xfrm>
+            <a:off x="3854496" y="4732020"/>
+            <a:ext cx="1435008" cy="230832"/>
           </a:xfrm>
           <a:prstGeom prst="rect">
             <a:avLst/>
@@ -3720,6 +3390,11 @@
               </a:defRPr>
             </a:pPr>
             <a:r>
+              <a:rPr>
+                <a:solidFill>
+                  <a:schemeClr val="bg1"/>
+                </a:solidFill>
+              </a:rPr>
               <a:t>©2025 CRITICAL START</a:t>
             </a:r>
           </a:p>
@@ -3727,14 +3402,14 @@
       </p:sp>
       <p:sp>
         <p:nvSpPr>
-          <p:cNvPr id="17" name="TextBox 16"/>
-          <p:cNvSpPr txBox="1"/>
-          <p:nvPr/>
-        </p:nvSpPr>
-        <p:spPr>
-          <a:xfrm>
-            <a:off x="5943600" y="4732020"/>
-            <a:ext cx="2743200" cy="320040"/>
+          <p:cNvPr id="9" name="TextBox 8"/>
+          <p:cNvSpPr txBox="1"/>
+          <p:nvPr/>
+        </p:nvSpPr>
+        <p:spPr>
+          <a:xfrm>
+            <a:off x="8293744" y="4732020"/>
+            <a:ext cx="393056" cy="230832"/>
           </a:xfrm>
           <a:prstGeom prst="rect">
             <a:avLst/>
@@ -3756,6 +3431,11 @@
               </a:defRPr>
             </a:pPr>
             <a:r>
+              <a:rPr>
+                <a:solidFill>
+                  <a:schemeClr val="bg1"/>
+                </a:solidFill>
+              </a:rPr>
               <a:t>EBR</a:t>
             </a:r>
           </a:p>
@@ -3763,7 +3443,7 @@
       </p:sp>
       <p:sp>
         <p:nvSpPr>
-          <p:cNvPr id="18" name="TextBox 17"/>
+          <p:cNvPr id="10" name="TextBox 9"/>
           <p:cNvSpPr txBox="1"/>
           <p:nvPr/>
         </p:nvSpPr>
@@ -3806,7 +3486,7 @@
 </file>
 
 <file path=ppt/slides/slide10.xml><?xml version="1.0" encoding="utf-8"?>
-<p:sld xmlns:a="http://schemas.openxmlformats.org/drawingml/2006/main" xmlns:p="http://schemas.openxmlformats.org/presentationml/2006/main" xmlns:r="http://schemas.openxmlformats.org/officeDocument/2006/relationships">
+<p:sld xmlns:a="http://schemas.openxmlformats.org/drawingml/2006/main" xmlns:r="http://schemas.openxmlformats.org/officeDocument/2006/relationships" xmlns:p="http://schemas.openxmlformats.org/presentationml/2006/main">
   <p:cSld>
     <p:spTree>
       <p:nvGrpSpPr>
@@ -3814,7 +3494,14 @@
         <p:cNvGrpSpPr/>
         <p:nvPr/>
       </p:nvGrpSpPr>
-      <p:grpSpPr/>
+      <p:grpSpPr>
+        <a:xfrm>
+          <a:off x="0" y="0"/>
+          <a:ext cx="0" cy="0"/>
+          <a:chOff x="0" y="0"/>
+          <a:chExt cx="0" cy="0"/>
+        </a:xfrm>
+      </p:grpSpPr>
       <p:sp>
         <p:nvSpPr>
           <p:cNvPr id="2" name="TextBox 1"/>
@@ -4054,7 +3741,7 @@
           <a:lstStyle/>
           <a:p>
             <a:pPr algn="l">
-              <a:defRPr sz="4800" b="1">
+              <a:defRPr sz="3600" b="1">
                 <a:solidFill>
                   <a:srgbClr val="004C97"/>
                 </a:solidFill>
@@ -4191,7 +3878,7 @@
 </file>
 
 <file path=ppt/slides/slide11.xml><?xml version="1.0" encoding="utf-8"?>
-<p:sld xmlns:a="http://schemas.openxmlformats.org/drawingml/2006/main" xmlns:p="http://schemas.openxmlformats.org/presentationml/2006/main" xmlns:r="http://schemas.openxmlformats.org/officeDocument/2006/relationships">
+<p:sld xmlns:a="http://schemas.openxmlformats.org/drawingml/2006/main" xmlns:r="http://schemas.openxmlformats.org/officeDocument/2006/relationships" xmlns:p="http://schemas.openxmlformats.org/presentationml/2006/main">
   <p:cSld>
     <p:spTree>
       <p:nvGrpSpPr>
@@ -4199,7 +3886,14 @@
         <p:cNvGrpSpPr/>
         <p:nvPr/>
       </p:nvGrpSpPr>
-      <p:grpSpPr/>
+      <p:grpSpPr>
+        <a:xfrm>
+          <a:off x="0" y="0"/>
+          <a:ext cx="0" cy="0"/>
+          <a:chOff x="0" y="0"/>
+          <a:chExt cx="0" cy="0"/>
+        </a:xfrm>
+      </p:grpSpPr>
       <p:sp>
         <p:nvSpPr>
           <p:cNvPr id="2" name="TextBox 1"/>
@@ -4439,7 +4133,7 @@
           <a:lstStyle/>
           <a:p>
             <a:pPr algn="l">
-              <a:defRPr sz="4800" b="1">
+              <a:defRPr sz="3600" b="1">
                 <a:solidFill>
                   <a:srgbClr val="004C97"/>
                 </a:solidFill>
@@ -4492,6 +4186,7 @@
           <a:lstStyle/>
           <a:p>
             <a:pPr algn="ctr"/>
+            <a:endParaRPr/>
           </a:p>
         </p:txBody>
       </p:sp>
@@ -4679,6 +4374,7 @@
           <a:lstStyle/>
           <a:p>
             <a:pPr algn="ctr"/>
+            <a:endParaRPr/>
           </a:p>
         </p:txBody>
       </p:sp>
@@ -4830,6 +4526,7 @@
           <a:lstStyle/>
           <a:p>
             <a:pPr algn="ctr"/>
+            <a:endParaRPr/>
           </a:p>
         </p:txBody>
       </p:sp>
@@ -5017,6 +4714,7 @@
           <a:lstStyle/>
           <a:p>
             <a:pPr algn="ctr"/>
+            <a:endParaRPr/>
           </a:p>
         </p:txBody>
       </p:sp>
@@ -5096,6 +4794,7 @@
           <a:lstStyle/>
           <a:p>
             <a:pPr algn="ctr"/>
+            <a:endParaRPr/>
           </a:p>
         </p:txBody>
       </p:sp>
@@ -5247,6 +4946,7 @@
           <a:lstStyle/>
           <a:p>
             <a:pPr algn="ctr"/>
+            <a:endParaRPr/>
           </a:p>
         </p:txBody>
       </p:sp>
@@ -5295,7 +4995,7 @@
 </file>
 
 <file path=ppt/slides/slide12.xml><?xml version="1.0" encoding="utf-8"?>
-<p:sld xmlns:a="http://schemas.openxmlformats.org/drawingml/2006/main" xmlns:p="http://schemas.openxmlformats.org/presentationml/2006/main" xmlns:r="http://schemas.openxmlformats.org/officeDocument/2006/relationships">
+<p:sld xmlns:a="http://schemas.openxmlformats.org/drawingml/2006/main" xmlns:r="http://schemas.openxmlformats.org/officeDocument/2006/relationships" xmlns:p="http://schemas.openxmlformats.org/presentationml/2006/main">
   <p:cSld>
     <p:spTree>
       <p:nvGrpSpPr>
@@ -5303,7 +5003,14 @@
         <p:cNvGrpSpPr/>
         <p:nvPr/>
       </p:nvGrpSpPr>
-      <p:grpSpPr/>
+      <p:grpSpPr>
+        <a:xfrm>
+          <a:off x="0" y="0"/>
+          <a:ext cx="0" cy="0"/>
+          <a:chOff x="0" y="0"/>
+          <a:chExt cx="0" cy="0"/>
+        </a:xfrm>
+      </p:grpSpPr>
       <p:sp>
         <p:nvSpPr>
           <p:cNvPr id="2" name="TextBox 1"/>
@@ -5543,7 +5250,7 @@
           <a:lstStyle/>
           <a:p>
             <a:pPr algn="l">
-              <a:defRPr sz="4800" b="1">
+              <a:defRPr sz="3600" b="1">
                 <a:solidFill>
                   <a:srgbClr val="004C97"/>
                 </a:solidFill>
@@ -5598,6 +5305,7 @@
           <a:lstStyle/>
           <a:p>
             <a:pPr algn="ctr"/>
+            <a:endParaRPr/>
           </a:p>
         </p:txBody>
       </p:sp>
@@ -5751,6 +5459,7 @@
           <a:lstStyle/>
           <a:p>
             <a:pPr algn="ctr"/>
+            <a:endParaRPr/>
           </a:p>
         </p:txBody>
       </p:sp>
@@ -5904,6 +5613,7 @@
           <a:lstStyle/>
           <a:p>
             <a:pPr algn="ctr"/>
+            <a:endParaRPr/>
           </a:p>
         </p:txBody>
       </p:sp>
@@ -6024,7 +5734,7 @@
 </file>
 
 <file path=ppt/slides/slide13.xml><?xml version="1.0" encoding="utf-8"?>
-<p:sld xmlns:a="http://schemas.openxmlformats.org/drawingml/2006/main" xmlns:p="http://schemas.openxmlformats.org/presentationml/2006/main" xmlns:r="http://schemas.openxmlformats.org/officeDocument/2006/relationships">
+<p:sld xmlns:a="http://schemas.openxmlformats.org/drawingml/2006/main" xmlns:r="http://schemas.openxmlformats.org/officeDocument/2006/relationships" xmlns:p="http://schemas.openxmlformats.org/presentationml/2006/main">
   <p:cSld>
     <p:spTree>
       <p:nvGrpSpPr>
@@ -6032,7 +5742,14 @@
         <p:cNvGrpSpPr/>
         <p:nvPr/>
       </p:nvGrpSpPr>
-      <p:grpSpPr/>
+      <p:grpSpPr>
+        <a:xfrm>
+          <a:off x="0" y="0"/>
+          <a:ext cx="0" cy="0"/>
+          <a:chOff x="0" y="0"/>
+          <a:chExt cx="0" cy="0"/>
+        </a:xfrm>
+      </p:grpSpPr>
       <p:sp>
         <p:nvSpPr>
           <p:cNvPr id="2" name="TextBox 1"/>
@@ -6272,7 +5989,7 @@
           <a:lstStyle/>
           <a:p>
             <a:pPr algn="l">
-              <a:defRPr sz="4800" b="1">
+              <a:defRPr sz="3600" b="1">
                 <a:solidFill>
                   <a:srgbClr val="004C97"/>
                 </a:solidFill>
@@ -6327,6 +6044,7 @@
           <a:lstStyle/>
           <a:p>
             <a:pPr algn="ctr"/>
+            <a:endParaRPr/>
           </a:p>
         </p:txBody>
       </p:sp>
@@ -6444,6 +6162,7 @@
           <a:lstStyle/>
           <a:p>
             <a:pPr algn="ctr"/>
+            <a:endParaRPr/>
           </a:p>
         </p:txBody>
       </p:sp>
@@ -6561,6 +6280,7 @@
           <a:lstStyle/>
           <a:p>
             <a:pPr algn="ctr"/>
+            <a:endParaRPr/>
           </a:p>
         </p:txBody>
       </p:sp>
@@ -6678,6 +6398,7 @@
           <a:lstStyle/>
           <a:p>
             <a:pPr algn="ctr"/>
+            <a:endParaRPr/>
           </a:p>
         </p:txBody>
       </p:sp>
@@ -6817,7 +6538,7 @@
 </file>
 
 <file path=ppt/slides/slide14.xml><?xml version="1.0" encoding="utf-8"?>
-<p:sld xmlns:a="http://schemas.openxmlformats.org/drawingml/2006/main" xmlns:p="http://schemas.openxmlformats.org/presentationml/2006/main" xmlns:r="http://schemas.openxmlformats.org/officeDocument/2006/relationships">
+<p:sld xmlns:a="http://schemas.openxmlformats.org/drawingml/2006/main" xmlns:r="http://schemas.openxmlformats.org/officeDocument/2006/relationships" xmlns:p="http://schemas.openxmlformats.org/presentationml/2006/main">
   <p:cSld>
     <p:spTree>
       <p:nvGrpSpPr>
@@ -6825,7 +6546,14 @@
         <p:cNvGrpSpPr/>
         <p:nvPr/>
       </p:nvGrpSpPr>
-      <p:grpSpPr/>
+      <p:grpSpPr>
+        <a:xfrm>
+          <a:off x="0" y="0"/>
+          <a:ext cx="0" cy="0"/>
+          <a:chOff x="0" y="0"/>
+          <a:chExt cx="0" cy="0"/>
+        </a:xfrm>
+      </p:grpSpPr>
       <p:sp>
         <p:nvSpPr>
           <p:cNvPr id="2" name="Rectangle 1"/>
@@ -6866,6 +6594,7 @@
           <a:lstStyle/>
           <a:p>
             <a:pPr algn="ctr"/>
+            <a:endParaRPr/>
           </a:p>
         </p:txBody>
       </p:sp>
@@ -6894,7 +6623,7 @@
             <a:pPr algn="l">
               <a:defRPr sz="900" b="0">
                 <a:solidFill>
-                  <a:srgbClr val="343741"/>
+                  <a:srgbClr val="FFFFFF"/>
                 </a:solidFill>
                 <a:latin typeface="Roboto"/>
               </a:defRPr>
@@ -6930,7 +6659,7 @@
             <a:pPr algn="ctr">
               <a:defRPr sz="900" b="0">
                 <a:solidFill>
-                  <a:srgbClr val="343741"/>
+                  <a:srgbClr val="FFFFFF"/>
                 </a:solidFill>
                 <a:latin typeface="Roboto"/>
               </a:defRPr>
@@ -6966,7 +6695,7 @@
             <a:pPr algn="r">
               <a:defRPr sz="900" b="0">
                 <a:solidFill>
-                  <a:srgbClr val="343741"/>
+                  <a:srgbClr val="FFFFFF"/>
                 </a:solidFill>
                 <a:latin typeface="Roboto"/>
               </a:defRPr>
@@ -7002,7 +6731,7 @@
             <a:pPr algn="l">
               <a:defRPr sz="900" b="0">
                 <a:solidFill>
-                  <a:srgbClr val="343741"/>
+                  <a:srgbClr val="FFFFFF"/>
                 </a:solidFill>
                 <a:latin typeface="Roboto"/>
               </a:defRPr>
@@ -7038,7 +6767,7 @@
             <a:pPr algn="ctr">
               <a:defRPr sz="900" b="0">
                 <a:solidFill>
-                  <a:srgbClr val="343741"/>
+                  <a:srgbClr val="FFFFFF"/>
                 </a:solidFill>
                 <a:latin typeface="Roboto"/>
               </a:defRPr>
@@ -7074,7 +6803,7 @@
             <a:pPr algn="r">
               <a:defRPr sz="900" b="0">
                 <a:solidFill>
-                  <a:srgbClr val="343741"/>
+                  <a:srgbClr val="FFFFFF"/>
                 </a:solidFill>
                 <a:latin typeface="Roboto"/>
               </a:defRPr>
@@ -7108,7 +6837,7 @@
           <a:lstStyle/>
           <a:p>
             <a:pPr algn="ctr">
-              <a:defRPr sz="7200" b="1">
+              <a:defRPr sz="4800" b="1">
                 <a:solidFill>
                   <a:srgbClr val="FFFFFF"/>
                 </a:solidFill>
@@ -7144,7 +6873,7 @@
           <a:lstStyle/>
           <a:p>
             <a:pPr algn="ctr">
-              <a:defRPr sz="2700" b="0">
+              <a:defRPr sz="2000" b="0">
                 <a:solidFill>
                   <a:srgbClr val="FFFFFF"/>
                 </a:solidFill>
@@ -7166,7 +6895,7 @@
 </file>
 
 <file path=ppt/slides/slide15.xml><?xml version="1.0" encoding="utf-8"?>
-<p:sld xmlns:a="http://schemas.openxmlformats.org/drawingml/2006/main" xmlns:p="http://schemas.openxmlformats.org/presentationml/2006/main" xmlns:r="http://schemas.openxmlformats.org/officeDocument/2006/relationships">
+<p:sld xmlns:a="http://schemas.openxmlformats.org/drawingml/2006/main" xmlns:r="http://schemas.openxmlformats.org/officeDocument/2006/relationships" xmlns:p="http://schemas.openxmlformats.org/presentationml/2006/main">
   <p:cSld>
     <p:spTree>
       <p:nvGrpSpPr>
@@ -7174,7 +6903,14 @@
         <p:cNvGrpSpPr/>
         <p:nvPr/>
       </p:nvGrpSpPr>
-      <p:grpSpPr/>
+      <p:grpSpPr>
+        <a:xfrm>
+          <a:off x="0" y="0"/>
+          <a:ext cx="0" cy="0"/>
+          <a:chOff x="0" y="0"/>
+          <a:chExt cx="0" cy="0"/>
+        </a:xfrm>
+      </p:grpSpPr>
       <p:sp>
         <p:nvSpPr>
           <p:cNvPr id="2" name="TextBox 1"/>
@@ -7414,7 +7150,7 @@
           <a:lstStyle/>
           <a:p>
             <a:pPr algn="l">
-              <a:defRPr sz="4800" b="1">
+              <a:defRPr sz="3600" b="1">
                 <a:solidFill>
                   <a:srgbClr val="004C97"/>
                 </a:solidFill>
@@ -7450,7 +7186,7 @@
           <a:lstStyle/>
           <a:p>
             <a:pPr algn="l">
-              <a:defRPr sz="1200">
+              <a:defRPr sz="1000">
                 <a:solidFill>
                   <a:srgbClr val="343741"/>
                 </a:solidFill>
@@ -7558,6 +7294,7 @@
           <a:lstStyle/>
           <a:p>
             <a:pPr algn="ctr"/>
+            <a:endParaRPr/>
           </a:p>
         </p:txBody>
       </p:sp>
@@ -7675,6 +7412,7 @@
           <a:lstStyle/>
           <a:p>
             <a:pPr algn="ctr"/>
+            <a:endParaRPr/>
           </a:p>
         </p:txBody>
       </p:sp>
@@ -7792,6 +7530,7 @@
           <a:lstStyle/>
           <a:p>
             <a:pPr algn="ctr"/>
+            <a:endParaRPr/>
           </a:p>
         </p:txBody>
       </p:sp>
@@ -7976,7 +7715,7 @@
 </file>
 
 <file path=ppt/slides/slide16.xml><?xml version="1.0" encoding="utf-8"?>
-<p:sld xmlns:a="http://schemas.openxmlformats.org/drawingml/2006/main" xmlns:p="http://schemas.openxmlformats.org/presentationml/2006/main" xmlns:r="http://schemas.openxmlformats.org/officeDocument/2006/relationships">
+<p:sld xmlns:a="http://schemas.openxmlformats.org/drawingml/2006/main" xmlns:r="http://schemas.openxmlformats.org/officeDocument/2006/relationships" xmlns:p="http://schemas.openxmlformats.org/presentationml/2006/main">
   <p:cSld>
     <p:spTree>
       <p:nvGrpSpPr>
@@ -7984,7 +7723,14 @@
         <p:cNvGrpSpPr/>
         <p:nvPr/>
       </p:nvGrpSpPr>
-      <p:grpSpPr/>
+      <p:grpSpPr>
+        <a:xfrm>
+          <a:off x="0" y="0"/>
+          <a:ext cx="0" cy="0"/>
+          <a:chOff x="0" y="0"/>
+          <a:chExt cx="0" cy="0"/>
+        </a:xfrm>
+      </p:grpSpPr>
       <p:sp>
         <p:nvSpPr>
           <p:cNvPr id="2" name="TextBox 1"/>
@@ -8224,7 +7970,7 @@
           <a:lstStyle/>
           <a:p>
             <a:pPr algn="l">
-              <a:defRPr sz="4800" b="1">
+              <a:defRPr sz="3600" b="1">
                 <a:solidFill>
                   <a:srgbClr val="004C97"/>
                 </a:solidFill>
@@ -8397,7 +8143,7 @@
 </file>
 
 <file path=ppt/slides/slide17.xml><?xml version="1.0" encoding="utf-8"?>
-<p:sld xmlns:a="http://schemas.openxmlformats.org/drawingml/2006/main" xmlns:p="http://schemas.openxmlformats.org/presentationml/2006/main" xmlns:r="http://schemas.openxmlformats.org/officeDocument/2006/relationships">
+<p:sld xmlns:a="http://schemas.openxmlformats.org/drawingml/2006/main" xmlns:r="http://schemas.openxmlformats.org/officeDocument/2006/relationships" xmlns:p="http://schemas.openxmlformats.org/presentationml/2006/main">
   <p:cSld>
     <p:spTree>
       <p:nvGrpSpPr>
@@ -8405,7 +8151,14 @@
         <p:cNvGrpSpPr/>
         <p:nvPr/>
       </p:nvGrpSpPr>
-      <p:grpSpPr/>
+      <p:grpSpPr>
+        <a:xfrm>
+          <a:off x="0" y="0"/>
+          <a:ext cx="0" cy="0"/>
+          <a:chOff x="0" y="0"/>
+          <a:chExt cx="0" cy="0"/>
+        </a:xfrm>
+      </p:grpSpPr>
       <p:sp>
         <p:nvSpPr>
           <p:cNvPr id="2" name="TextBox 1"/>
@@ -8645,7 +8398,7 @@
           <a:lstStyle/>
           <a:p>
             <a:pPr algn="l">
-              <a:defRPr sz="4800" b="1">
+              <a:defRPr sz="3600" b="1">
                 <a:solidFill>
                   <a:srgbClr val="004C97"/>
                 </a:solidFill>
@@ -8700,6 +8453,7 @@
           <a:lstStyle/>
           <a:p>
             <a:pPr algn="ctr"/>
+            <a:endParaRPr/>
           </a:p>
         </p:txBody>
       </p:sp>
@@ -8906,6 +8660,7 @@
           <a:lstStyle/>
           <a:p>
             <a:pPr algn="ctr"/>
+            <a:endParaRPr/>
           </a:p>
         </p:txBody>
       </p:sp>
@@ -9112,6 +8867,7 @@
           <a:lstStyle/>
           <a:p>
             <a:pPr algn="ctr"/>
+            <a:endParaRPr/>
           </a:p>
         </p:txBody>
       </p:sp>
@@ -9285,7 +9041,7 @@
 </file>
 
 <file path=ppt/slides/slide18.xml><?xml version="1.0" encoding="utf-8"?>
-<p:sld xmlns:a="http://schemas.openxmlformats.org/drawingml/2006/main" xmlns:p="http://schemas.openxmlformats.org/presentationml/2006/main" xmlns:r="http://schemas.openxmlformats.org/officeDocument/2006/relationships">
+<p:sld xmlns:a="http://schemas.openxmlformats.org/drawingml/2006/main" xmlns:r="http://schemas.openxmlformats.org/officeDocument/2006/relationships" xmlns:p="http://schemas.openxmlformats.org/presentationml/2006/main">
   <p:cSld>
     <p:spTree>
       <p:nvGrpSpPr>
@@ -9293,7 +9049,14 @@
         <p:cNvGrpSpPr/>
         <p:nvPr/>
       </p:nvGrpSpPr>
-      <p:grpSpPr/>
+      <p:grpSpPr>
+        <a:xfrm>
+          <a:off x="0" y="0"/>
+          <a:ext cx="0" cy="0"/>
+          <a:chOff x="0" y="0"/>
+          <a:chExt cx="0" cy="0"/>
+        </a:xfrm>
+      </p:grpSpPr>
       <p:sp>
         <p:nvSpPr>
           <p:cNvPr id="2" name="Rectangle 1"/>
@@ -9334,6 +9097,7 @@
           <a:lstStyle/>
           <a:p>
             <a:pPr algn="ctr"/>
+            <a:endParaRPr/>
           </a:p>
         </p:txBody>
       </p:sp>
@@ -9362,7 +9126,7 @@
             <a:pPr algn="l">
               <a:defRPr sz="900" b="0">
                 <a:solidFill>
-                  <a:srgbClr val="343741"/>
+                  <a:srgbClr val="FFFFFF"/>
                 </a:solidFill>
                 <a:latin typeface="Roboto"/>
               </a:defRPr>
@@ -9398,7 +9162,7 @@
             <a:pPr algn="ctr">
               <a:defRPr sz="900" b="0">
                 <a:solidFill>
-                  <a:srgbClr val="343741"/>
+                  <a:srgbClr val="FFFFFF"/>
                 </a:solidFill>
                 <a:latin typeface="Roboto"/>
               </a:defRPr>
@@ -9434,7 +9198,7 @@
             <a:pPr algn="r">
               <a:defRPr sz="900" b="0">
                 <a:solidFill>
-                  <a:srgbClr val="343741"/>
+                  <a:srgbClr val="FFFFFF"/>
                 </a:solidFill>
                 <a:latin typeface="Roboto"/>
               </a:defRPr>
@@ -9470,7 +9234,7 @@
             <a:pPr algn="l">
               <a:defRPr sz="900" b="0">
                 <a:solidFill>
-                  <a:srgbClr val="343741"/>
+                  <a:srgbClr val="FFFFFF"/>
                 </a:solidFill>
                 <a:latin typeface="Roboto"/>
               </a:defRPr>
@@ -9506,7 +9270,7 @@
             <a:pPr algn="ctr">
               <a:defRPr sz="900" b="0">
                 <a:solidFill>
-                  <a:srgbClr val="343741"/>
+                  <a:srgbClr val="FFFFFF"/>
                 </a:solidFill>
                 <a:latin typeface="Roboto"/>
               </a:defRPr>
@@ -9542,7 +9306,7 @@
             <a:pPr algn="r">
               <a:defRPr sz="900" b="0">
                 <a:solidFill>
-                  <a:srgbClr val="343741"/>
+                  <a:srgbClr val="FFFFFF"/>
                 </a:solidFill>
                 <a:latin typeface="Roboto"/>
               </a:defRPr>
@@ -9576,7 +9340,7 @@
           <a:lstStyle/>
           <a:p>
             <a:pPr algn="ctr">
-              <a:defRPr sz="7200" b="1">
+              <a:defRPr sz="4800" b="1">
                 <a:solidFill>
                   <a:srgbClr val="FFFFFF"/>
                 </a:solidFill>
@@ -9612,7 +9376,7 @@
           <a:lstStyle/>
           <a:p>
             <a:pPr algn="ctr">
-              <a:defRPr sz="2700" b="0">
+              <a:defRPr sz="2000" b="0">
                 <a:solidFill>
                   <a:srgbClr val="FFFFFF"/>
                 </a:solidFill>
@@ -9634,7 +9398,7 @@
 </file>
 
 <file path=ppt/slides/slide19.xml><?xml version="1.0" encoding="utf-8"?>
-<p:sld xmlns:a="http://schemas.openxmlformats.org/drawingml/2006/main" xmlns:p="http://schemas.openxmlformats.org/presentationml/2006/main" xmlns:r="http://schemas.openxmlformats.org/officeDocument/2006/relationships">
+<p:sld xmlns:a="http://schemas.openxmlformats.org/drawingml/2006/main" xmlns:r="http://schemas.openxmlformats.org/officeDocument/2006/relationships" xmlns:p="http://schemas.openxmlformats.org/presentationml/2006/main">
   <p:cSld>
     <p:spTree>
       <p:nvGrpSpPr>
@@ -9642,7 +9406,14 @@
         <p:cNvGrpSpPr/>
         <p:nvPr/>
       </p:nvGrpSpPr>
-      <p:grpSpPr/>
+      <p:grpSpPr>
+        <a:xfrm>
+          <a:off x="0" y="0"/>
+          <a:ext cx="0" cy="0"/>
+          <a:chOff x="0" y="0"/>
+          <a:chExt cx="0" cy="0"/>
+        </a:xfrm>
+      </p:grpSpPr>
       <p:sp>
         <p:nvSpPr>
           <p:cNvPr id="2" name="TextBox 1"/>
@@ -9882,7 +9653,7 @@
           <a:lstStyle/>
           <a:p>
             <a:pPr algn="l">
-              <a:defRPr sz="4800" b="1">
+              <a:defRPr sz="3600" b="1">
                 <a:solidFill>
                   <a:srgbClr val="004C97"/>
                 </a:solidFill>
@@ -9937,6 +9708,7 @@
           <a:lstStyle/>
           <a:p>
             <a:pPr algn="ctr"/>
+            <a:endParaRPr/>
           </a:p>
         </p:txBody>
       </p:sp>
@@ -10179,6 +9951,7 @@
           <a:lstStyle/>
           <a:p>
             <a:pPr algn="ctr"/>
+            <a:endParaRPr/>
           </a:p>
         </p:txBody>
       </p:sp>
@@ -10421,6 +10194,7 @@
           <a:lstStyle/>
           <a:p>
             <a:pPr algn="ctr"/>
+            <a:endParaRPr/>
           </a:p>
         </p:txBody>
       </p:sp>
@@ -10630,7 +10404,7 @@
 </file>
 
 <file path=ppt/slides/slide2.xml><?xml version="1.0" encoding="utf-8"?>
-<p:sld xmlns:a="http://schemas.openxmlformats.org/drawingml/2006/main" xmlns:p="http://schemas.openxmlformats.org/presentationml/2006/main" xmlns:r="http://schemas.openxmlformats.org/officeDocument/2006/relationships">
+<p:sld xmlns:a="http://schemas.openxmlformats.org/drawingml/2006/main" xmlns:r="http://schemas.openxmlformats.org/officeDocument/2006/relationships" xmlns:p="http://schemas.openxmlformats.org/presentationml/2006/main">
   <p:cSld>
     <p:spTree>
       <p:nvGrpSpPr>
@@ -10638,7 +10412,14 @@
         <p:cNvGrpSpPr/>
         <p:nvPr/>
       </p:nvGrpSpPr>
-      <p:grpSpPr/>
+      <p:grpSpPr>
+        <a:xfrm>
+          <a:off x="0" y="0"/>
+          <a:ext cx="0" cy="0"/>
+          <a:chOff x="0" y="0"/>
+          <a:chExt cx="0" cy="0"/>
+        </a:xfrm>
+      </p:grpSpPr>
       <p:sp>
         <p:nvSpPr>
           <p:cNvPr id="2" name="Rectangle 1"/>
@@ -10679,6 +10460,7 @@
           <a:lstStyle/>
           <a:p>
             <a:pPr algn="ctr"/>
+            <a:endParaRPr/>
           </a:p>
         </p:txBody>
       </p:sp>
@@ -10707,7 +10489,7 @@
             <a:pPr algn="l">
               <a:defRPr sz="900" b="0">
                 <a:solidFill>
-                  <a:srgbClr val="343741"/>
+                  <a:srgbClr val="FFFFFF"/>
                 </a:solidFill>
                 <a:latin typeface="Roboto"/>
               </a:defRPr>
@@ -10743,7 +10525,7 @@
             <a:pPr algn="ctr">
               <a:defRPr sz="900" b="0">
                 <a:solidFill>
-                  <a:srgbClr val="343741"/>
+                  <a:srgbClr val="FFFFFF"/>
                 </a:solidFill>
                 <a:latin typeface="Roboto"/>
               </a:defRPr>
@@ -10779,7 +10561,7 @@
             <a:pPr algn="r">
               <a:defRPr sz="900" b="0">
                 <a:solidFill>
-                  <a:srgbClr val="343741"/>
+                  <a:srgbClr val="FFFFFF"/>
                 </a:solidFill>
                 <a:latin typeface="Roboto"/>
               </a:defRPr>
@@ -10815,7 +10597,7 @@
             <a:pPr algn="l">
               <a:defRPr sz="900" b="0">
                 <a:solidFill>
-                  <a:srgbClr val="343741"/>
+                  <a:srgbClr val="FFFFFF"/>
                 </a:solidFill>
                 <a:latin typeface="Roboto"/>
               </a:defRPr>
@@ -10851,7 +10633,7 @@
             <a:pPr algn="ctr">
               <a:defRPr sz="900" b="0">
                 <a:solidFill>
-                  <a:srgbClr val="343741"/>
+                  <a:srgbClr val="FFFFFF"/>
                 </a:solidFill>
                 <a:latin typeface="Roboto"/>
               </a:defRPr>
@@ -10887,7 +10669,7 @@
             <a:pPr algn="r">
               <a:defRPr sz="900" b="0">
                 <a:solidFill>
-                  <a:srgbClr val="343741"/>
+                  <a:srgbClr val="FFFFFF"/>
                 </a:solidFill>
                 <a:latin typeface="Roboto"/>
               </a:defRPr>
@@ -10921,7 +10703,7 @@
           <a:lstStyle/>
           <a:p>
             <a:pPr algn="ctr">
-              <a:defRPr sz="7200" b="1">
+              <a:defRPr sz="4800" b="1">
                 <a:solidFill>
                   <a:srgbClr val="FFFFFF"/>
                 </a:solidFill>
@@ -10957,7 +10739,7 @@
           <a:lstStyle/>
           <a:p>
             <a:pPr algn="ctr">
-              <a:defRPr sz="2700" b="0">
+              <a:defRPr sz="2000" b="0">
                 <a:solidFill>
                   <a:srgbClr val="FFFFFF"/>
                 </a:solidFill>
@@ -10979,7 +10761,7 @@
 </file>
 
 <file path=ppt/slides/slide20.xml><?xml version="1.0" encoding="utf-8"?>
-<p:sld xmlns:a="http://schemas.openxmlformats.org/drawingml/2006/main" xmlns:p="http://schemas.openxmlformats.org/presentationml/2006/main" xmlns:r="http://schemas.openxmlformats.org/officeDocument/2006/relationships">
+<p:sld xmlns:a="http://schemas.openxmlformats.org/drawingml/2006/main" xmlns:r="http://schemas.openxmlformats.org/officeDocument/2006/relationships" xmlns:p="http://schemas.openxmlformats.org/presentationml/2006/main">
   <p:cSld>
     <p:spTree>
       <p:nvGrpSpPr>
@@ -10987,7 +10769,14 @@
         <p:cNvGrpSpPr/>
         <p:nvPr/>
       </p:nvGrpSpPr>
-      <p:grpSpPr/>
+      <p:grpSpPr>
+        <a:xfrm>
+          <a:off x="0" y="0"/>
+          <a:ext cx="0" cy="0"/>
+          <a:chOff x="0" y="0"/>
+          <a:chExt cx="0" cy="0"/>
+        </a:xfrm>
+      </p:grpSpPr>
       <p:sp>
         <p:nvSpPr>
           <p:cNvPr id="2" name="TextBox 1"/>
@@ -11227,7 +11016,7 @@
           <a:lstStyle/>
           <a:p>
             <a:pPr algn="l">
-              <a:defRPr sz="4800" b="1">
+              <a:defRPr sz="3600" b="1">
                 <a:solidFill>
                   <a:srgbClr val="004C97"/>
                 </a:solidFill>
@@ -11282,6 +11071,7 @@
           <a:lstStyle/>
           <a:p>
             <a:pPr algn="ctr"/>
+            <a:endParaRPr/>
           </a:p>
         </p:txBody>
       </p:sp>
@@ -11471,6 +11261,7 @@
           <a:lstStyle/>
           <a:p>
             <a:pPr algn="ctr"/>
+            <a:endParaRPr/>
           </a:p>
         </p:txBody>
       </p:sp>
@@ -11682,7 +11473,7 @@
 </file>
 
 <file path=ppt/slides/slide21.xml><?xml version="1.0" encoding="utf-8"?>
-<p:sld xmlns:a="http://schemas.openxmlformats.org/drawingml/2006/main" xmlns:p="http://schemas.openxmlformats.org/presentationml/2006/main" xmlns:r="http://schemas.openxmlformats.org/officeDocument/2006/relationships">
+<p:sld xmlns:a="http://schemas.openxmlformats.org/drawingml/2006/main" xmlns:r="http://schemas.openxmlformats.org/officeDocument/2006/relationships" xmlns:p="http://schemas.openxmlformats.org/presentationml/2006/main">
   <p:cSld>
     <p:spTree>
       <p:nvGrpSpPr>
@@ -11690,7 +11481,14 @@
         <p:cNvGrpSpPr/>
         <p:nvPr/>
       </p:nvGrpSpPr>
-      <p:grpSpPr/>
+      <p:grpSpPr>
+        <a:xfrm>
+          <a:off x="0" y="0"/>
+          <a:ext cx="0" cy="0"/>
+          <a:chOff x="0" y="0"/>
+          <a:chExt cx="0" cy="0"/>
+        </a:xfrm>
+      </p:grpSpPr>
       <p:sp>
         <p:nvSpPr>
           <p:cNvPr id="2" name="TextBox 1"/>
@@ -11930,7 +11728,7 @@
           <a:lstStyle/>
           <a:p>
             <a:pPr algn="l">
-              <a:defRPr sz="4800" b="1">
+              <a:defRPr sz="3600" b="1">
                 <a:solidFill>
                   <a:srgbClr val="004C97"/>
                 </a:solidFill>
@@ -12199,7 +11997,7 @@
           </a:fontRef>
         </p:style>
         <p:txBody>
-          <a:bodyPr rtlCol="0" anchor="ctr" lIns="182880" rIns="182880" tIns="137160" bIns="137160"/>
+          <a:bodyPr lIns="182880" tIns="137160" rIns="182880" bIns="137160" rtlCol="0" anchor="ctr"/>
           <a:lstStyle/>
           <a:p>
             <a:pPr algn="l">
@@ -12238,7 +12036,7 @@
 </file>
 
 <file path=ppt/slides/slide22.xml><?xml version="1.0" encoding="utf-8"?>
-<p:sld xmlns:a="http://schemas.openxmlformats.org/drawingml/2006/main" xmlns:p="http://schemas.openxmlformats.org/presentationml/2006/main" xmlns:r="http://schemas.openxmlformats.org/officeDocument/2006/relationships">
+<p:sld xmlns:a="http://schemas.openxmlformats.org/drawingml/2006/main" xmlns:r="http://schemas.openxmlformats.org/officeDocument/2006/relationships" xmlns:p="http://schemas.openxmlformats.org/presentationml/2006/main">
   <p:cSld>
     <p:spTree>
       <p:nvGrpSpPr>
@@ -12246,7 +12044,14 @@
         <p:cNvGrpSpPr/>
         <p:nvPr/>
       </p:nvGrpSpPr>
-      <p:grpSpPr/>
+      <p:grpSpPr>
+        <a:xfrm>
+          <a:off x="0" y="0"/>
+          <a:ext cx="0" cy="0"/>
+          <a:chOff x="0" y="0"/>
+          <a:chExt cx="0" cy="0"/>
+        </a:xfrm>
+      </p:grpSpPr>
       <p:sp>
         <p:nvSpPr>
           <p:cNvPr id="2" name="TextBox 1"/>
@@ -12486,7 +12291,7 @@
           <a:lstStyle/>
           <a:p>
             <a:pPr algn="l">
-              <a:defRPr sz="4800" b="1">
+              <a:defRPr sz="3600" b="1">
                 <a:solidFill>
                   <a:srgbClr val="004C97"/>
                 </a:solidFill>
@@ -12541,6 +12346,7 @@
           <a:lstStyle/>
           <a:p>
             <a:pPr algn="ctr"/>
+            <a:endParaRPr/>
           </a:p>
         </p:txBody>
       </p:sp>
@@ -12694,6 +12500,7 @@
           <a:lstStyle/>
           <a:p>
             <a:pPr algn="ctr"/>
+            <a:endParaRPr/>
           </a:p>
         </p:txBody>
       </p:sp>
@@ -12847,6 +12654,7 @@
           <a:lstStyle/>
           <a:p>
             <a:pPr algn="ctr"/>
+            <a:endParaRPr/>
           </a:p>
         </p:txBody>
       </p:sp>
@@ -13000,6 +12808,7 @@
           <a:lstStyle/>
           <a:p>
             <a:pPr algn="ctr"/>
+            <a:endParaRPr/>
           </a:p>
         </p:txBody>
       </p:sp>
@@ -13149,7 +12958,7 @@
           </a:fontRef>
         </p:style>
         <p:txBody>
-          <a:bodyPr rtlCol="0" anchor="ctr" lIns="274320" rIns="274320" tIns="137160" bIns="137160"/>
+          <a:bodyPr lIns="274320" tIns="137160" rIns="274320" bIns="137160" rtlCol="0" anchor="ctr"/>
           <a:lstStyle/>
           <a:p>
             <a:pPr algn="l">
@@ -13217,7 +13026,7 @@
           </a:fontRef>
         </p:style>
         <p:txBody>
-          <a:bodyPr rtlCol="0" anchor="t" lIns="182880" rIns="182880"/>
+          <a:bodyPr lIns="182880" rIns="182880" rtlCol="0" anchor="t"/>
           <a:lstStyle/>
           <a:p>
             <a:pPr algn="l">
@@ -13243,7 +13052,7 @@
 </file>
 
 <file path=ppt/slides/slide23.xml><?xml version="1.0" encoding="utf-8"?>
-<p:sld xmlns:a="http://schemas.openxmlformats.org/drawingml/2006/main" xmlns:p="http://schemas.openxmlformats.org/presentationml/2006/main" xmlns:r="http://schemas.openxmlformats.org/officeDocument/2006/relationships">
+<p:sld xmlns:a="http://schemas.openxmlformats.org/drawingml/2006/main" xmlns:r="http://schemas.openxmlformats.org/officeDocument/2006/relationships" xmlns:p="http://schemas.openxmlformats.org/presentationml/2006/main">
   <p:cSld>
     <p:spTree>
       <p:nvGrpSpPr>
@@ -13251,7 +13060,14 @@
         <p:cNvGrpSpPr/>
         <p:nvPr/>
       </p:nvGrpSpPr>
-      <p:grpSpPr/>
+      <p:grpSpPr>
+        <a:xfrm>
+          <a:off x="0" y="0"/>
+          <a:ext cx="0" cy="0"/>
+          <a:chOff x="0" y="0"/>
+          <a:chExt cx="0" cy="0"/>
+        </a:xfrm>
+      </p:grpSpPr>
       <p:sp>
         <p:nvSpPr>
           <p:cNvPr id="2" name="TextBox 1"/>
@@ -13491,7 +13307,7 @@
           <a:lstStyle/>
           <a:p>
             <a:pPr algn="l">
-              <a:defRPr sz="4800" b="1">
+              <a:defRPr sz="3600" b="1">
                 <a:solidFill>
                   <a:srgbClr val="004C97"/>
                 </a:solidFill>
@@ -13546,6 +13362,7 @@
           <a:lstStyle/>
           <a:p>
             <a:pPr algn="ctr"/>
+            <a:endParaRPr/>
           </a:p>
         </p:txBody>
       </p:sp>
@@ -13699,6 +13516,7 @@
           <a:lstStyle/>
           <a:p>
             <a:pPr algn="ctr"/>
+            <a:endParaRPr/>
           </a:p>
         </p:txBody>
       </p:sp>
@@ -13852,6 +13670,7 @@
           <a:lstStyle/>
           <a:p>
             <a:pPr algn="ctr"/>
+            <a:endParaRPr/>
           </a:p>
         </p:txBody>
       </p:sp>
@@ -14001,7 +13820,7 @@
           </a:fontRef>
         </p:style>
         <p:txBody>
-          <a:bodyPr rtlCol="0" anchor="ctr" lIns="182880" rIns="182880" tIns="137160" bIns="137160"/>
+          <a:bodyPr lIns="182880" tIns="137160" rIns="182880" bIns="137160" rtlCol="0" anchor="ctr"/>
           <a:lstStyle/>
           <a:p>
             <a:pPr algn="l">
@@ -14040,7 +13859,7 @@
 </file>
 
 <file path=ppt/slides/slide24.xml><?xml version="1.0" encoding="utf-8"?>
-<p:sld xmlns:a="http://schemas.openxmlformats.org/drawingml/2006/main" xmlns:p="http://schemas.openxmlformats.org/presentationml/2006/main" xmlns:r="http://schemas.openxmlformats.org/officeDocument/2006/relationships">
+<p:sld xmlns:a="http://schemas.openxmlformats.org/drawingml/2006/main" xmlns:r="http://schemas.openxmlformats.org/officeDocument/2006/relationships" xmlns:p="http://schemas.openxmlformats.org/presentationml/2006/main">
   <p:cSld>
     <p:spTree>
       <p:nvGrpSpPr>
@@ -14048,7 +13867,14 @@
         <p:cNvGrpSpPr/>
         <p:nvPr/>
       </p:nvGrpSpPr>
-      <p:grpSpPr/>
+      <p:grpSpPr>
+        <a:xfrm>
+          <a:off x="0" y="0"/>
+          <a:ext cx="0" cy="0"/>
+          <a:chOff x="0" y="0"/>
+          <a:chExt cx="0" cy="0"/>
+        </a:xfrm>
+      </p:grpSpPr>
       <p:sp>
         <p:nvSpPr>
           <p:cNvPr id="2" name="TextBox 1"/>
@@ -14288,7 +14114,7 @@
           <a:lstStyle/>
           <a:p>
             <a:pPr algn="l">
-              <a:defRPr sz="4800" b="1">
+              <a:defRPr sz="3600" b="1">
                 <a:solidFill>
                   <a:srgbClr val="004C97"/>
                 </a:solidFill>
@@ -14343,6 +14169,7 @@
           <a:lstStyle/>
           <a:p>
             <a:pPr algn="ctr"/>
+            <a:endParaRPr/>
           </a:p>
         </p:txBody>
       </p:sp>
@@ -14496,6 +14323,7 @@
           <a:lstStyle/>
           <a:p>
             <a:pPr algn="ctr"/>
+            <a:endParaRPr/>
           </a:p>
         </p:txBody>
       </p:sp>
@@ -14649,6 +14477,7 @@
           <a:lstStyle/>
           <a:p>
             <a:pPr algn="ctr"/>
+            <a:endParaRPr/>
           </a:p>
         </p:txBody>
       </p:sp>
@@ -14798,7 +14627,7 @@
           </a:fontRef>
         </p:style>
         <p:txBody>
-          <a:bodyPr rtlCol="0" anchor="t" lIns="274320" rIns="274320"/>
+          <a:bodyPr lIns="274320" rIns="274320" rtlCol="0" anchor="t"/>
           <a:lstStyle/>
           <a:p>
             <a:pPr algn="ctr">
@@ -14853,7 +14682,7 @@
           </a:fontRef>
         </p:style>
         <p:txBody>
-          <a:bodyPr rtlCol="0" anchor="t" lIns="182880" rIns="182880"/>
+          <a:bodyPr lIns="182880" rIns="182880" rtlCol="0" anchor="t"/>
           <a:lstStyle/>
           <a:p>
             <a:pPr algn="l">
@@ -14879,7 +14708,7 @@
 </file>
 
 <file path=ppt/slides/slide25.xml><?xml version="1.0" encoding="utf-8"?>
-<p:sld xmlns:a="http://schemas.openxmlformats.org/drawingml/2006/main" xmlns:p="http://schemas.openxmlformats.org/presentationml/2006/main" xmlns:r="http://schemas.openxmlformats.org/officeDocument/2006/relationships">
+<p:sld xmlns:a="http://schemas.openxmlformats.org/drawingml/2006/main" xmlns:r="http://schemas.openxmlformats.org/officeDocument/2006/relationships" xmlns:p="http://schemas.openxmlformats.org/presentationml/2006/main">
   <p:cSld>
     <p:spTree>
       <p:nvGrpSpPr>
@@ -14887,7 +14716,14 @@
         <p:cNvGrpSpPr/>
         <p:nvPr/>
       </p:nvGrpSpPr>
-      <p:grpSpPr/>
+      <p:grpSpPr>
+        <a:xfrm>
+          <a:off x="0" y="0"/>
+          <a:ext cx="0" cy="0"/>
+          <a:chOff x="0" y="0"/>
+          <a:chExt cx="0" cy="0"/>
+        </a:xfrm>
+      </p:grpSpPr>
       <p:sp>
         <p:nvSpPr>
           <p:cNvPr id="2" name="TextBox 1"/>
@@ -15127,7 +14963,7 @@
           <a:lstStyle/>
           <a:p>
             <a:pPr algn="l">
-              <a:defRPr sz="4800" b="1">
+              <a:defRPr sz="3600" b="1">
                 <a:solidFill>
                   <a:srgbClr val="004C97"/>
                 </a:solidFill>
@@ -15182,6 +15018,7 @@
           <a:lstStyle/>
           <a:p>
             <a:pPr algn="ctr"/>
+            <a:endParaRPr/>
           </a:p>
         </p:txBody>
       </p:sp>
@@ -15335,6 +15172,7 @@
           <a:lstStyle/>
           <a:p>
             <a:pPr algn="ctr"/>
+            <a:endParaRPr/>
           </a:p>
         </p:txBody>
       </p:sp>
@@ -15488,6 +15326,7 @@
           <a:lstStyle/>
           <a:p>
             <a:pPr algn="ctr"/>
+            <a:endParaRPr/>
           </a:p>
         </p:txBody>
       </p:sp>
@@ -15641,6 +15480,7 @@
           <a:lstStyle/>
           <a:p>
             <a:pPr algn="ctr"/>
+            <a:endParaRPr/>
           </a:p>
         </p:txBody>
       </p:sp>
@@ -15761,7 +15601,7 @@
 </file>
 
 <file path=ppt/slides/slide26.xml><?xml version="1.0" encoding="utf-8"?>
-<p:sld xmlns:a="http://schemas.openxmlformats.org/drawingml/2006/main" xmlns:p="http://schemas.openxmlformats.org/presentationml/2006/main" xmlns:r="http://schemas.openxmlformats.org/officeDocument/2006/relationships">
+<p:sld xmlns:a="http://schemas.openxmlformats.org/drawingml/2006/main" xmlns:r="http://schemas.openxmlformats.org/officeDocument/2006/relationships" xmlns:p="http://schemas.openxmlformats.org/presentationml/2006/main">
   <p:cSld>
     <p:spTree>
       <p:nvGrpSpPr>
@@ -15769,7 +15609,14 @@
         <p:cNvGrpSpPr/>
         <p:nvPr/>
       </p:nvGrpSpPr>
-      <p:grpSpPr/>
+      <p:grpSpPr>
+        <a:xfrm>
+          <a:off x="0" y="0"/>
+          <a:ext cx="0" cy="0"/>
+          <a:chOff x="0" y="0"/>
+          <a:chExt cx="0" cy="0"/>
+        </a:xfrm>
+      </p:grpSpPr>
       <p:sp>
         <p:nvSpPr>
           <p:cNvPr id="2" name="TextBox 1"/>
@@ -16009,7 +15856,7 @@
           <a:lstStyle/>
           <a:p>
             <a:pPr algn="l">
-              <a:defRPr sz="4800" b="1">
+              <a:defRPr sz="3600" b="1">
                 <a:solidFill>
                   <a:srgbClr val="004C97"/>
                 </a:solidFill>
@@ -16064,6 +15911,7 @@
           <a:lstStyle/>
           <a:p>
             <a:pPr algn="ctr"/>
+            <a:endParaRPr/>
           </a:p>
         </p:txBody>
       </p:sp>
@@ -16181,6 +16029,7 @@
           <a:lstStyle/>
           <a:p>
             <a:pPr algn="ctr"/>
+            <a:endParaRPr/>
           </a:p>
         </p:txBody>
       </p:sp>
@@ -16298,6 +16147,7 @@
           <a:lstStyle/>
           <a:p>
             <a:pPr algn="ctr"/>
+            <a:endParaRPr/>
           </a:p>
         </p:txBody>
       </p:sp>
@@ -16415,6 +16265,7 @@
           <a:lstStyle/>
           <a:p>
             <a:pPr algn="ctr"/>
+            <a:endParaRPr/>
           </a:p>
         </p:txBody>
       </p:sp>
@@ -16499,7 +16350,7 @@
 </file>
 
 <file path=ppt/slides/slide27.xml><?xml version="1.0" encoding="utf-8"?>
-<p:sld xmlns:a="http://schemas.openxmlformats.org/drawingml/2006/main" xmlns:p="http://schemas.openxmlformats.org/presentationml/2006/main" xmlns:r="http://schemas.openxmlformats.org/officeDocument/2006/relationships">
+<p:sld xmlns:a="http://schemas.openxmlformats.org/drawingml/2006/main" xmlns:r="http://schemas.openxmlformats.org/officeDocument/2006/relationships" xmlns:p="http://schemas.openxmlformats.org/presentationml/2006/main">
   <p:cSld>
     <p:spTree>
       <p:nvGrpSpPr>
@@ -16507,7 +16358,14 @@
         <p:cNvGrpSpPr/>
         <p:nvPr/>
       </p:nvGrpSpPr>
-      <p:grpSpPr/>
+      <p:grpSpPr>
+        <a:xfrm>
+          <a:off x="0" y="0"/>
+          <a:ext cx="0" cy="0"/>
+          <a:chOff x="0" y="0"/>
+          <a:chExt cx="0" cy="0"/>
+        </a:xfrm>
+      </p:grpSpPr>
       <p:sp>
         <p:nvSpPr>
           <p:cNvPr id="2" name="Rectangle 1"/>
@@ -16548,6 +16406,7 @@
           <a:lstStyle/>
           <a:p>
             <a:pPr algn="ctr"/>
+            <a:endParaRPr/>
           </a:p>
         </p:txBody>
       </p:sp>
@@ -16576,7 +16435,7 @@
             <a:pPr algn="l">
               <a:defRPr sz="900" b="0">
                 <a:solidFill>
-                  <a:srgbClr val="343741"/>
+                  <a:srgbClr val="FFFFFF"/>
                 </a:solidFill>
                 <a:latin typeface="Roboto"/>
               </a:defRPr>
@@ -16612,7 +16471,7 @@
             <a:pPr algn="ctr">
               <a:defRPr sz="900" b="0">
                 <a:solidFill>
-                  <a:srgbClr val="343741"/>
+                  <a:srgbClr val="FFFFFF"/>
                 </a:solidFill>
                 <a:latin typeface="Roboto"/>
               </a:defRPr>
@@ -16648,7 +16507,7 @@
             <a:pPr algn="r">
               <a:defRPr sz="900" b="0">
                 <a:solidFill>
-                  <a:srgbClr val="343741"/>
+                  <a:srgbClr val="FFFFFF"/>
                 </a:solidFill>
                 <a:latin typeface="Roboto"/>
               </a:defRPr>
@@ -16684,7 +16543,7 @@
             <a:pPr algn="l">
               <a:defRPr sz="900" b="0">
                 <a:solidFill>
-                  <a:srgbClr val="343741"/>
+                  <a:srgbClr val="FFFFFF"/>
                 </a:solidFill>
                 <a:latin typeface="Roboto"/>
               </a:defRPr>
@@ -16720,7 +16579,7 @@
             <a:pPr algn="ctr">
               <a:defRPr sz="900" b="0">
                 <a:solidFill>
-                  <a:srgbClr val="343741"/>
+                  <a:srgbClr val="FFFFFF"/>
                 </a:solidFill>
                 <a:latin typeface="Roboto"/>
               </a:defRPr>
@@ -16756,7 +16615,7 @@
             <a:pPr algn="r">
               <a:defRPr sz="900" b="0">
                 <a:solidFill>
-                  <a:srgbClr val="343741"/>
+                  <a:srgbClr val="FFFFFF"/>
                 </a:solidFill>
                 <a:latin typeface="Roboto"/>
               </a:defRPr>
@@ -16790,7 +16649,7 @@
           <a:lstStyle/>
           <a:p>
             <a:pPr algn="ctr">
-              <a:defRPr sz="7200" b="1">
+              <a:defRPr sz="4800" b="1">
                 <a:solidFill>
                   <a:srgbClr val="FFFFFF"/>
                 </a:solidFill>
@@ -16826,7 +16685,7 @@
           <a:lstStyle/>
           <a:p>
             <a:pPr algn="ctr">
-              <a:defRPr sz="2700" b="0">
+              <a:defRPr sz="2000" b="0">
                 <a:solidFill>
                   <a:srgbClr val="FFFFFF"/>
                 </a:solidFill>
@@ -16848,7 +16707,7 @@
 </file>
 
 <file path=ppt/slides/slide28.xml><?xml version="1.0" encoding="utf-8"?>
-<p:sld xmlns:a="http://schemas.openxmlformats.org/drawingml/2006/main" xmlns:p="http://schemas.openxmlformats.org/presentationml/2006/main" xmlns:r="http://schemas.openxmlformats.org/officeDocument/2006/relationships">
+<p:sld xmlns:a="http://schemas.openxmlformats.org/drawingml/2006/main" xmlns:r="http://schemas.openxmlformats.org/officeDocument/2006/relationships" xmlns:p="http://schemas.openxmlformats.org/presentationml/2006/main">
   <p:cSld>
     <p:spTree>
       <p:nvGrpSpPr>
@@ -16856,7 +16715,14 @@
         <p:cNvGrpSpPr/>
         <p:nvPr/>
       </p:nvGrpSpPr>
-      <p:grpSpPr/>
+      <p:grpSpPr>
+        <a:xfrm>
+          <a:off x="0" y="0"/>
+          <a:ext cx="0" cy="0"/>
+          <a:chOff x="0" y="0"/>
+          <a:chExt cx="0" cy="0"/>
+        </a:xfrm>
+      </p:grpSpPr>
       <p:sp>
         <p:nvSpPr>
           <p:cNvPr id="2" name="TextBox 1"/>
@@ -17096,7 +16962,7 @@
           <a:lstStyle/>
           <a:p>
             <a:pPr algn="l">
-              <a:defRPr sz="4800" b="1">
+              <a:defRPr sz="3600" b="1">
                 <a:solidFill>
                   <a:srgbClr val="004C97"/>
                 </a:solidFill>
@@ -17162,7 +17028,7 @@
           <a:noFill/>
         </p:spPr>
         <p:txBody>
-          <a:bodyPr wrap="square" lIns="182880" rIns="182880" tIns="91440" bIns="91440">
+          <a:bodyPr wrap="square" lIns="182880" tIns="91440" rIns="182880" bIns="91440">
             <a:spAutoFit/>
           </a:bodyPr>
           <a:lstStyle/>
@@ -17253,7 +17119,7 @@
           <a:noFill/>
         </p:spPr>
         <p:txBody>
-          <a:bodyPr wrap="square" lIns="182880" rIns="182880" tIns="91440" bIns="91440">
+          <a:bodyPr wrap="square" lIns="182880" tIns="91440" rIns="182880" bIns="91440">
             <a:spAutoFit/>
           </a:bodyPr>
           <a:lstStyle/>
@@ -17408,7 +17274,7 @@
 </file>
 
 <file path=ppt/slides/slide3.xml><?xml version="1.0" encoding="utf-8"?>
-<p:sld xmlns:a="http://schemas.openxmlformats.org/drawingml/2006/main" xmlns:p="http://schemas.openxmlformats.org/presentationml/2006/main" xmlns:r="http://schemas.openxmlformats.org/officeDocument/2006/relationships">
+<p:sld xmlns:a="http://schemas.openxmlformats.org/drawingml/2006/main" xmlns:r="http://schemas.openxmlformats.org/officeDocument/2006/relationships" xmlns:p="http://schemas.openxmlformats.org/presentationml/2006/main">
   <p:cSld>
     <p:spTree>
       <p:nvGrpSpPr>
@@ -17416,7 +17282,14 @@
         <p:cNvGrpSpPr/>
         <p:nvPr/>
       </p:nvGrpSpPr>
-      <p:grpSpPr/>
+      <p:grpSpPr>
+        <a:xfrm>
+          <a:off x="0" y="0"/>
+          <a:ext cx="0" cy="0"/>
+          <a:chOff x="0" y="0"/>
+          <a:chExt cx="0" cy="0"/>
+        </a:xfrm>
+      </p:grpSpPr>
       <p:sp>
         <p:nvSpPr>
           <p:cNvPr id="2" name="TextBox 1"/>
@@ -17642,7 +17515,7 @@
         <p:spPr>
           <a:xfrm>
             <a:off x="457200" y="640080"/>
-            <a:ext cx="7315200" cy="731520"/>
+            <a:ext cx="7315200" cy="457200"/>
           </a:xfrm>
           <a:prstGeom prst="rect">
             <a:avLst/>
@@ -17651,6 +17524,124 @@
         </p:spPr>
         <p:txBody>
           <a:bodyPr wrap="square">
+            <a:spAutoFit/>
+          </a:bodyPr>
+          <a:lstStyle/>
+          <a:p>
+            <a:pPr algn="l">
+              <a:defRPr sz="3600" b="1">
+                <a:solidFill>
+                  <a:srgbClr val="004C97"/>
+                </a:solidFill>
+                <a:latin typeface="Roboto"/>
+              </a:defRPr>
+            </a:pPr>
+            <a:r>
+              <a:t>Security Posture Overview</a:t>
+            </a:r>
+          </a:p>
+        </p:txBody>
+      </p:sp>
+      <p:sp>
+        <p:nvSpPr>
+          <p:cNvPr id="9" name="Rectangle 8"/>
+          <p:cNvSpPr/>
+          <p:nvPr/>
+        </p:nvSpPr>
+        <p:spPr>
+          <a:xfrm>
+            <a:off x="457200" y="1143000"/>
+            <a:ext cx="2621280" cy="1371600"/>
+          </a:xfrm>
+          <a:prstGeom prst="rect">
+            <a:avLst/>
+          </a:prstGeom>
+          <a:solidFill>
+            <a:srgbClr val="F0F8FF"/>
+          </a:solidFill>
+          <a:ln w="25400">
+            <a:solidFill>
+              <a:srgbClr val="009CDE"/>
+            </a:solidFill>
+          </a:ln>
+        </p:spPr>
+        <p:style>
+          <a:lnRef idx="1">
+            <a:schemeClr val="accent1"/>
+          </a:lnRef>
+          <a:fillRef idx="3">
+            <a:schemeClr val="accent1"/>
+          </a:fillRef>
+          <a:effectRef idx="2">
+            <a:schemeClr val="accent1"/>
+          </a:effectRef>
+          <a:fontRef idx="minor">
+            <a:schemeClr val="lt1"/>
+          </a:fontRef>
+        </p:style>
+        <p:txBody>
+          <a:bodyPr rtlCol="0" anchor="ctr"/>
+          <a:lstStyle/>
+          <a:p>
+            <a:pPr algn="ctr"/>
+            <a:endParaRPr/>
+          </a:p>
+        </p:txBody>
+      </p:sp>
+      <p:sp>
+        <p:nvSpPr>
+          <p:cNvPr id="10" name="TextBox 9"/>
+          <p:cNvSpPr txBox="1"/>
+          <p:nvPr/>
+        </p:nvSpPr>
+        <p:spPr>
+          <a:xfrm>
+            <a:off x="594360" y="1234440"/>
+            <a:ext cx="2346960" cy="228600"/>
+          </a:xfrm>
+          <a:prstGeom prst="rect">
+            <a:avLst/>
+          </a:prstGeom>
+          <a:noFill/>
+        </p:spPr>
+        <p:txBody>
+          <a:bodyPr wrap="none">
+            <a:spAutoFit/>
+          </a:bodyPr>
+          <a:lstStyle/>
+          <a:p>
+            <a:pPr algn="l">
+              <a:defRPr sz="1000" b="1">
+                <a:solidFill>
+                  <a:srgbClr val="343741"/>
+                </a:solidFill>
+                <a:latin typeface="Roboto"/>
+              </a:defRPr>
+            </a:pPr>
+            <a:r>
+              <a:t>THREAT CONTAINMENT</a:t>
+            </a:r>
+          </a:p>
+        </p:txBody>
+      </p:sp>
+      <p:sp>
+        <p:nvSpPr>
+          <p:cNvPr id="11" name="TextBox 10"/>
+          <p:cNvSpPr txBox="1"/>
+          <p:nvPr/>
+        </p:nvSpPr>
+        <p:spPr>
+          <a:xfrm>
+            <a:off x="594360" y="1463040"/>
+            <a:ext cx="2346960" cy="640080"/>
+          </a:xfrm>
+          <a:prstGeom prst="rect">
+            <a:avLst/>
+          </a:prstGeom>
+          <a:noFill/>
+        </p:spPr>
+        <p:txBody>
+          <a:bodyPr wrap="none">
             <a:spAutoFit/>
           </a:bodyPr>
           <a:lstStyle/>
@@ -17664,21 +17655,21 @@
               </a:defRPr>
             </a:pPr>
             <a:r>
-              <a:t>Executive Summary</a:t>
-            </a:r>
-          </a:p>
-        </p:txBody>
-      </p:sp>
-      <p:sp>
-        <p:nvSpPr>
-          <p:cNvPr id="9" name="TextBox 8"/>
-          <p:cNvSpPr txBox="1"/>
-          <p:nvPr/>
-        </p:nvSpPr>
-        <p:spPr>
-          <a:xfrm>
-            <a:off x="914400" y="1463040"/>
-            <a:ext cx="7315200" cy="1097280"/>
+              <a:t>100%</a:t>
+            </a:r>
+          </a:p>
+        </p:txBody>
+      </p:sp>
+      <p:sp>
+        <p:nvSpPr>
+          <p:cNvPr id="12" name="TextBox 11"/>
+          <p:cNvSpPr txBox="1"/>
+          <p:nvPr/>
+        </p:nvSpPr>
+        <p:spPr>
+          <a:xfrm>
+            <a:off x="594360" y="2057400"/>
+            <a:ext cx="2346960" cy="411480"/>
           </a:xfrm>
           <a:prstGeom prst="rect">
             <a:avLst/>
@@ -17692,7 +17683,125 @@
           <a:lstStyle/>
           <a:p>
             <a:pPr algn="l">
-              <a:defRPr sz="7200" b="1">
+              <a:defRPr sz="1000">
+                <a:solidFill>
+                  <a:srgbClr val="343741"/>
+                </a:solidFill>
+                <a:latin typeface="Roboto"/>
+              </a:defRPr>
+            </a:pPr>
+            <a:r>
+              <a:t>11 threats contained, zero breaches</a:t>
+            </a:r>
+          </a:p>
+        </p:txBody>
+      </p:sp>
+      <p:sp>
+        <p:nvSpPr>
+          <p:cNvPr id="13" name="Rectangle 12"/>
+          <p:cNvSpPr/>
+          <p:nvPr/>
+        </p:nvSpPr>
+        <p:spPr>
+          <a:xfrm>
+            <a:off x="3261360" y="1143000"/>
+            <a:ext cx="2621280" cy="1371600"/>
+          </a:xfrm>
+          <a:prstGeom prst="rect">
+            <a:avLst/>
+          </a:prstGeom>
+          <a:solidFill>
+            <a:srgbClr val="F0F8FF"/>
+          </a:solidFill>
+          <a:ln w="25400">
+            <a:solidFill>
+              <a:srgbClr val="009CDE"/>
+            </a:solidFill>
+          </a:ln>
+        </p:spPr>
+        <p:style>
+          <a:lnRef idx="1">
+            <a:schemeClr val="accent1"/>
+          </a:lnRef>
+          <a:fillRef idx="3">
+            <a:schemeClr val="accent1"/>
+          </a:fillRef>
+          <a:effectRef idx="2">
+            <a:schemeClr val="accent1"/>
+          </a:effectRef>
+          <a:fontRef idx="minor">
+            <a:schemeClr val="lt1"/>
+          </a:fontRef>
+        </p:style>
+        <p:txBody>
+          <a:bodyPr rtlCol="0" anchor="ctr"/>
+          <a:lstStyle/>
+          <a:p>
+            <a:pPr algn="ctr"/>
+            <a:endParaRPr/>
+          </a:p>
+        </p:txBody>
+      </p:sp>
+      <p:sp>
+        <p:nvSpPr>
+          <p:cNvPr id="14" name="TextBox 13"/>
+          <p:cNvSpPr txBox="1"/>
+          <p:nvPr/>
+        </p:nvSpPr>
+        <p:spPr>
+          <a:xfrm>
+            <a:off x="3398520" y="1234440"/>
+            <a:ext cx="2346960" cy="228600"/>
+          </a:xfrm>
+          <a:prstGeom prst="rect">
+            <a:avLst/>
+          </a:prstGeom>
+          <a:noFill/>
+        </p:spPr>
+        <p:txBody>
+          <a:bodyPr wrap="none">
+            <a:spAutoFit/>
+          </a:bodyPr>
+          <a:lstStyle/>
+          <a:p>
+            <a:pPr algn="l">
+              <a:defRPr sz="1000" b="1">
+                <a:solidFill>
+                  <a:srgbClr val="343741"/>
+                </a:solidFill>
+                <a:latin typeface="Roboto"/>
+              </a:defRPr>
+            </a:pPr>
+            <a:r>
+              <a:t>RESPONSE SPEED</a:t>
+            </a:r>
+          </a:p>
+        </p:txBody>
+      </p:sp>
+      <p:sp>
+        <p:nvSpPr>
+          <p:cNvPr id="15" name="TextBox 14"/>
+          <p:cNvSpPr txBox="1"/>
+          <p:nvPr/>
+        </p:nvSpPr>
+        <p:spPr>
+          <a:xfrm>
+            <a:off x="3398520" y="1463040"/>
+            <a:ext cx="2346960" cy="640080"/>
+          </a:xfrm>
+          <a:prstGeom prst="rect">
+            <a:avLst/>
+          </a:prstGeom>
+          <a:noFill/>
+        </p:spPr>
+        <p:txBody>
+          <a:bodyPr wrap="none">
+            <a:spAutoFit/>
+          </a:bodyPr>
+          <a:lstStyle/>
+          <a:p>
+            <a:pPr algn="l">
+              <a:defRPr sz="4800" b="1">
                 <a:solidFill>
                   <a:srgbClr val="004C97"/>
                 </a:solidFill>
@@ -17700,21 +17809,21 @@
               </a:defRPr>
             </a:pPr>
             <a:r>
-              <a:t>267 Incidents Escalated</a:t>
-            </a:r>
-          </a:p>
-        </p:txBody>
-      </p:sp>
-      <p:sp>
-        <p:nvSpPr>
-          <p:cNvPr id="10" name="TextBox 9"/>
-          <p:cNvSpPr txBox="1"/>
-          <p:nvPr/>
-        </p:nvSpPr>
-        <p:spPr>
-          <a:xfrm>
-            <a:off x="914400" y="2468880"/>
-            <a:ext cx="7315200" cy="548640"/>
+              <a:t>34%</a:t>
+            </a:r>
+          </a:p>
+        </p:txBody>
+      </p:sp>
+      <p:sp>
+        <p:nvSpPr>
+          <p:cNvPr id="16" name="TextBox 15"/>
+          <p:cNvSpPr txBox="1"/>
+          <p:nvPr/>
+        </p:nvSpPr>
+        <p:spPr>
+          <a:xfrm>
+            <a:off x="3398520" y="2057400"/>
+            <a:ext cx="2346960" cy="411480"/>
           </a:xfrm>
           <a:prstGeom prst="rect">
             <a:avLst/>
@@ -17728,7 +17837,7 @@
           <a:lstStyle/>
           <a:p>
             <a:pPr algn="l">
-              <a:defRPr sz="1800">
+              <a:defRPr sz="1000">
                 <a:solidFill>
                   <a:srgbClr val="343741"/>
                 </a:solidFill>
@@ -17736,21 +17845,139 @@
               </a:defRPr>
             </a:pPr>
             <a:r>
-              <a:t>Average 8.9 per day requiring your team's attention</a:t>
-            </a:r>
-          </a:p>
-        </p:txBody>
-      </p:sp>
-      <p:sp>
-        <p:nvSpPr>
-          <p:cNvPr id="11" name="TextBox 10"/>
-          <p:cNvSpPr txBox="1"/>
-          <p:nvPr/>
-        </p:nvSpPr>
-        <p:spPr>
-          <a:xfrm>
-            <a:off x="914400" y="3017520"/>
-            <a:ext cx="7315200" cy="914400"/>
+              <a:t>Faster than industry (126m vs 192m)</a:t>
+            </a:r>
+          </a:p>
+        </p:txBody>
+      </p:sp>
+      <p:sp>
+        <p:nvSpPr>
+          <p:cNvPr id="17" name="Rectangle 16"/>
+          <p:cNvSpPr/>
+          <p:nvPr/>
+        </p:nvSpPr>
+        <p:spPr>
+          <a:xfrm>
+            <a:off x="6065520" y="1143000"/>
+            <a:ext cx="2621280" cy="1371600"/>
+          </a:xfrm>
+          <a:prstGeom prst="rect">
+            <a:avLst/>
+          </a:prstGeom>
+          <a:solidFill>
+            <a:srgbClr val="F0F8FF"/>
+          </a:solidFill>
+          <a:ln w="25400">
+            <a:solidFill>
+              <a:srgbClr val="009CDE"/>
+            </a:solidFill>
+          </a:ln>
+        </p:spPr>
+        <p:style>
+          <a:lnRef idx="1">
+            <a:schemeClr val="accent1"/>
+          </a:lnRef>
+          <a:fillRef idx="3">
+            <a:schemeClr val="accent1"/>
+          </a:fillRef>
+          <a:effectRef idx="2">
+            <a:schemeClr val="accent1"/>
+          </a:effectRef>
+          <a:fontRef idx="minor">
+            <a:schemeClr val="lt1"/>
+          </a:fontRef>
+        </p:style>
+        <p:txBody>
+          <a:bodyPr rtlCol="0" anchor="ctr"/>
+          <a:lstStyle/>
+          <a:p>
+            <a:pPr algn="ctr"/>
+            <a:endParaRPr/>
+          </a:p>
+        </p:txBody>
+      </p:sp>
+      <p:sp>
+        <p:nvSpPr>
+          <p:cNvPr id="18" name="TextBox 17"/>
+          <p:cNvSpPr txBox="1"/>
+          <p:nvPr/>
+        </p:nvSpPr>
+        <p:spPr>
+          <a:xfrm>
+            <a:off x="6202680" y="1234440"/>
+            <a:ext cx="2346960" cy="228600"/>
+          </a:xfrm>
+          <a:prstGeom prst="rect">
+            <a:avLst/>
+          </a:prstGeom>
+          <a:noFill/>
+        </p:spPr>
+        <p:txBody>
+          <a:bodyPr wrap="none">
+            <a:spAutoFit/>
+          </a:bodyPr>
+          <a:lstStyle/>
+          <a:p>
+            <a:pPr algn="l">
+              <a:defRPr sz="1000" b="1">
+                <a:solidFill>
+                  <a:srgbClr val="343741"/>
+                </a:solidFill>
+                <a:latin typeface="Roboto"/>
+              </a:defRPr>
+            </a:pPr>
+            <a:r>
+              <a:t>DETECTION QUALITY</a:t>
+            </a:r>
+          </a:p>
+        </p:txBody>
+      </p:sp>
+      <p:sp>
+        <p:nvSpPr>
+          <p:cNvPr id="19" name="TextBox 18"/>
+          <p:cNvSpPr txBox="1"/>
+          <p:nvPr/>
+        </p:nvSpPr>
+        <p:spPr>
+          <a:xfrm>
+            <a:off x="6202680" y="1463040"/>
+            <a:ext cx="2346960" cy="640080"/>
+          </a:xfrm>
+          <a:prstGeom prst="rect">
+            <a:avLst/>
+          </a:prstGeom>
+          <a:noFill/>
+        </p:spPr>
+        <p:txBody>
+          <a:bodyPr wrap="none">
+            <a:spAutoFit/>
+          </a:bodyPr>
+          <a:lstStyle/>
+          <a:p>
+            <a:pPr algn="l">
+              <a:defRPr sz="4800" b="1">
+                <a:solidFill>
+                  <a:srgbClr val="004C97"/>
+                </a:solidFill>
+                <a:latin typeface="Roboto"/>
+              </a:defRPr>
+            </a:pPr>
+            <a:r>
+              <a:t>9.0%</a:t>
+            </a:r>
+          </a:p>
+        </p:txBody>
+      </p:sp>
+      <p:sp>
+        <p:nvSpPr>
+          <p:cNvPr id="20" name="TextBox 19"/>
+          <p:cNvSpPr txBox="1"/>
+          <p:nvPr/>
+        </p:nvSpPr>
+        <p:spPr>
+          <a:xfrm>
+            <a:off x="6202680" y="2057400"/>
+            <a:ext cx="2346960" cy="411480"/>
           </a:xfrm>
           <a:prstGeom prst="rect">
             <a:avLst/>
@@ -17764,7 +17991,7 @@
           <a:lstStyle/>
           <a:p>
             <a:pPr algn="l">
-              <a:defRPr sz="1200">
+              <a:defRPr sz="1000">
                 <a:solidFill>
                   <a:srgbClr val="343741"/>
                 </a:solidFill>
@@ -17772,7 +17999,469 @@
               </a:defRPr>
             </a:pPr>
             <a:r>
-              <a:t>CS SOC triaged 2,110 alerts this period—1,690 (80%) guided with your team and 420 closed end-to-end</a:t>
+              <a:t>False positive rate</a:t>
+            </a:r>
+          </a:p>
+        </p:txBody>
+      </p:sp>
+      <p:sp>
+        <p:nvSpPr>
+          <p:cNvPr id="21" name="Rectangle 20"/>
+          <p:cNvSpPr/>
+          <p:nvPr/>
+        </p:nvSpPr>
+        <p:spPr>
+          <a:xfrm>
+            <a:off x="457200" y="2697480"/>
+            <a:ext cx="2621280" cy="1234440"/>
+          </a:xfrm>
+          <a:prstGeom prst="rect">
+            <a:avLst/>
+          </a:prstGeom>
+          <a:solidFill>
+            <a:srgbClr val="F8FAFC"/>
+          </a:solidFill>
+          <a:ln w="12700">
+            <a:solidFill>
+              <a:srgbClr val="343741"/>
+            </a:solidFill>
+          </a:ln>
+        </p:spPr>
+        <p:style>
+          <a:lnRef idx="1">
+            <a:schemeClr val="accent1"/>
+          </a:lnRef>
+          <a:fillRef idx="3">
+            <a:schemeClr val="accent1"/>
+          </a:fillRef>
+          <a:effectRef idx="2">
+            <a:schemeClr val="accent1"/>
+          </a:effectRef>
+          <a:fontRef idx="minor">
+            <a:schemeClr val="lt1"/>
+          </a:fontRef>
+        </p:style>
+        <p:txBody>
+          <a:bodyPr rtlCol="0" anchor="ctr"/>
+          <a:lstStyle/>
+          <a:p>
+            <a:pPr algn="ctr"/>
+            <a:endParaRPr/>
+          </a:p>
+        </p:txBody>
+      </p:sp>
+      <p:sp>
+        <p:nvSpPr>
+          <p:cNvPr id="22" name="TextBox 21"/>
+          <p:cNvSpPr txBox="1"/>
+          <p:nvPr/>
+        </p:nvSpPr>
+        <p:spPr>
+          <a:xfrm>
+            <a:off x="594360" y="2788920"/>
+            <a:ext cx="2346960" cy="228600"/>
+          </a:xfrm>
+          <a:prstGeom prst="rect">
+            <a:avLst/>
+          </a:prstGeom>
+          <a:noFill/>
+        </p:spPr>
+        <p:txBody>
+          <a:bodyPr wrap="none">
+            <a:spAutoFit/>
+          </a:bodyPr>
+          <a:lstStyle/>
+          <a:p>
+            <a:pPr algn="l">
+              <a:defRPr sz="1000" b="1">
+                <a:solidFill>
+                  <a:srgbClr val="343741"/>
+                </a:solidFill>
+                <a:latin typeface="Roboto"/>
+              </a:defRPr>
+            </a:pPr>
+            <a:r>
+              <a:t>24/7 COVERAGE</a:t>
+            </a:r>
+          </a:p>
+        </p:txBody>
+      </p:sp>
+      <p:sp>
+        <p:nvSpPr>
+          <p:cNvPr id="23" name="TextBox 22"/>
+          <p:cNvSpPr txBox="1"/>
+          <p:nvPr/>
+        </p:nvSpPr>
+        <p:spPr>
+          <a:xfrm>
+            <a:off x="594360" y="2971800"/>
+            <a:ext cx="2346960" cy="502920"/>
+          </a:xfrm>
+          <a:prstGeom prst="rect">
+            <a:avLst/>
+          </a:prstGeom>
+          <a:noFill/>
+        </p:spPr>
+        <p:txBody>
+          <a:bodyPr wrap="none">
+            <a:spAutoFit/>
+          </a:bodyPr>
+          <a:lstStyle/>
+          <a:p>
+            <a:pPr algn="l">
+              <a:defRPr sz="2000" b="1">
+                <a:solidFill>
+                  <a:srgbClr val="004C97"/>
+                </a:solidFill>
+                <a:latin typeface="Roboto"/>
+              </a:defRPr>
+            </a:pPr>
+            <a:r>
+              <a:t>158</a:t>
+            </a:r>
+          </a:p>
+        </p:txBody>
+      </p:sp>
+      <p:sp>
+        <p:nvSpPr>
+          <p:cNvPr id="24" name="TextBox 23"/>
+          <p:cNvSpPr txBox="1"/>
+          <p:nvPr/>
+        </p:nvSpPr>
+        <p:spPr>
+          <a:xfrm>
+            <a:off x="594360" y="3429000"/>
+            <a:ext cx="2346960" cy="411480"/>
+          </a:xfrm>
+          <a:prstGeom prst="rect">
+            <a:avLst/>
+          </a:prstGeom>
+          <a:noFill/>
+        </p:spPr>
+        <p:txBody>
+          <a:bodyPr wrap="square">
+            <a:spAutoFit/>
+          </a:bodyPr>
+          <a:lstStyle/>
+          <a:p>
+            <a:pPr algn="l">
+              <a:defRPr sz="1000">
+                <a:solidFill>
+                  <a:srgbClr val="343741"/>
+                </a:solidFill>
+                <a:latin typeface="Roboto"/>
+              </a:defRPr>
+            </a:pPr>
+            <a:r>
+              <a:t>After-hours escalations (59% of total)</a:t>
+            </a:r>
+          </a:p>
+        </p:txBody>
+      </p:sp>
+      <p:sp>
+        <p:nvSpPr>
+          <p:cNvPr id="25" name="Rectangle 24"/>
+          <p:cNvSpPr/>
+          <p:nvPr/>
+        </p:nvSpPr>
+        <p:spPr>
+          <a:xfrm>
+            <a:off x="3261360" y="2697480"/>
+            <a:ext cx="2621280" cy="1234440"/>
+          </a:xfrm>
+          <a:prstGeom prst="rect">
+            <a:avLst/>
+          </a:prstGeom>
+          <a:solidFill>
+            <a:srgbClr val="F8FAFC"/>
+          </a:solidFill>
+          <a:ln w="12700">
+            <a:solidFill>
+              <a:srgbClr val="343741"/>
+            </a:solidFill>
+          </a:ln>
+        </p:spPr>
+        <p:style>
+          <a:lnRef idx="1">
+            <a:schemeClr val="accent1"/>
+          </a:lnRef>
+          <a:fillRef idx="3">
+            <a:schemeClr val="accent1"/>
+          </a:fillRef>
+          <a:effectRef idx="2">
+            <a:schemeClr val="accent1"/>
+          </a:effectRef>
+          <a:fontRef idx="minor">
+            <a:schemeClr val="lt1"/>
+          </a:fontRef>
+        </p:style>
+        <p:txBody>
+          <a:bodyPr rtlCol="0" anchor="ctr"/>
+          <a:lstStyle/>
+          <a:p>
+            <a:pPr algn="ctr"/>
+            <a:endParaRPr/>
+          </a:p>
+        </p:txBody>
+      </p:sp>
+      <p:sp>
+        <p:nvSpPr>
+          <p:cNvPr id="26" name="TextBox 25"/>
+          <p:cNvSpPr txBox="1"/>
+          <p:nvPr/>
+        </p:nvSpPr>
+        <p:spPr>
+          <a:xfrm>
+            <a:off x="3398520" y="2788920"/>
+            <a:ext cx="2346960" cy="228600"/>
+          </a:xfrm>
+          <a:prstGeom prst="rect">
+            <a:avLst/>
+          </a:prstGeom>
+          <a:noFill/>
+        </p:spPr>
+        <p:txBody>
+          <a:bodyPr wrap="none">
+            <a:spAutoFit/>
+          </a:bodyPr>
+          <a:lstStyle/>
+          <a:p>
+            <a:pPr algn="l">
+              <a:defRPr sz="1000" b="1">
+                <a:solidFill>
+                  <a:srgbClr val="343741"/>
+                </a:solidFill>
+                <a:latin typeface="Roboto"/>
+              </a:defRPr>
+            </a:pPr>
+            <a:r>
+              <a:t>AUTOMATION</a:t>
+            </a:r>
+          </a:p>
+        </p:txBody>
+      </p:sp>
+      <p:sp>
+        <p:nvSpPr>
+          <p:cNvPr id="27" name="TextBox 26"/>
+          <p:cNvSpPr txBox="1"/>
+          <p:nvPr/>
+        </p:nvSpPr>
+        <p:spPr>
+          <a:xfrm>
+            <a:off x="3398520" y="2971800"/>
+            <a:ext cx="2346960" cy="502920"/>
+          </a:xfrm>
+          <a:prstGeom prst="rect">
+            <a:avLst/>
+          </a:prstGeom>
+          <a:noFill/>
+        </p:spPr>
+        <p:txBody>
+          <a:bodyPr wrap="none">
+            <a:spAutoFit/>
+          </a:bodyPr>
+          <a:lstStyle/>
+          <a:p>
+            <a:pPr algn="l">
+              <a:defRPr sz="2000" b="1">
+                <a:solidFill>
+                  <a:srgbClr val="004C97"/>
+                </a:solidFill>
+                <a:latin typeface="Roboto"/>
+              </a:defRPr>
+            </a:pPr>
+            <a:r>
+              <a:t>86%</a:t>
+            </a:r>
+          </a:p>
+        </p:txBody>
+      </p:sp>
+      <p:sp>
+        <p:nvSpPr>
+          <p:cNvPr id="28" name="TextBox 27"/>
+          <p:cNvSpPr txBox="1"/>
+          <p:nvPr/>
+        </p:nvSpPr>
+        <p:spPr>
+          <a:xfrm>
+            <a:off x="3398520" y="3429000"/>
+            <a:ext cx="2346960" cy="411480"/>
+          </a:xfrm>
+          <a:prstGeom prst="rect">
+            <a:avLst/>
+          </a:prstGeom>
+          <a:noFill/>
+        </p:spPr>
+        <p:txBody>
+          <a:bodyPr wrap="square">
+            <a:spAutoFit/>
+          </a:bodyPr>
+          <a:lstStyle/>
+          <a:p>
+            <a:pPr algn="l">
+              <a:defRPr sz="1000">
+                <a:solidFill>
+                  <a:srgbClr val="343741"/>
+                </a:solidFill>
+                <a:latin typeface="Roboto"/>
+              </a:defRPr>
+            </a:pPr>
+            <a:r>
+              <a:t>Automated escalations (229 of 267)</a:t>
+            </a:r>
+          </a:p>
+        </p:txBody>
+      </p:sp>
+      <p:sp>
+        <p:nvSpPr>
+          <p:cNvPr id="29" name="Rectangle 28"/>
+          <p:cNvSpPr/>
+          <p:nvPr/>
+        </p:nvSpPr>
+        <p:spPr>
+          <a:xfrm>
+            <a:off x="6065520" y="2697480"/>
+            <a:ext cx="2621280" cy="1234440"/>
+          </a:xfrm>
+          <a:prstGeom prst="rect">
+            <a:avLst/>
+          </a:prstGeom>
+          <a:solidFill>
+            <a:srgbClr val="F8FAFC"/>
+          </a:solidFill>
+          <a:ln w="12700">
+            <a:solidFill>
+              <a:srgbClr val="343741"/>
+            </a:solidFill>
+          </a:ln>
+        </p:spPr>
+        <p:style>
+          <a:lnRef idx="1">
+            <a:schemeClr val="accent1"/>
+          </a:lnRef>
+          <a:fillRef idx="3">
+            <a:schemeClr val="accent1"/>
+          </a:fillRef>
+          <a:effectRef idx="2">
+            <a:schemeClr val="accent1"/>
+          </a:effectRef>
+          <a:fontRef idx="minor">
+            <a:schemeClr val="lt1"/>
+          </a:fontRef>
+        </p:style>
+        <p:txBody>
+          <a:bodyPr rtlCol="0" anchor="ctr"/>
+          <a:lstStyle/>
+          <a:p>
+            <a:pPr algn="ctr"/>
+            <a:endParaRPr/>
+          </a:p>
+        </p:txBody>
+      </p:sp>
+      <p:sp>
+        <p:nvSpPr>
+          <p:cNvPr id="30" name="TextBox 29"/>
+          <p:cNvSpPr txBox="1"/>
+          <p:nvPr/>
+        </p:nvSpPr>
+        <p:spPr>
+          <a:xfrm>
+            <a:off x="6202680" y="2788920"/>
+            <a:ext cx="2346960" cy="228600"/>
+          </a:xfrm>
+          <a:prstGeom prst="rect">
+            <a:avLst/>
+          </a:prstGeom>
+          <a:noFill/>
+        </p:spPr>
+        <p:txBody>
+          <a:bodyPr wrap="none">
+            <a:spAutoFit/>
+          </a:bodyPr>
+          <a:lstStyle/>
+          <a:p>
+            <a:pPr algn="l">
+              <a:defRPr sz="1000" b="1">
+                <a:solidFill>
+                  <a:srgbClr val="343741"/>
+                </a:solidFill>
+                <a:latin typeface="Roboto"/>
+              </a:defRPr>
+            </a:pPr>
+            <a:r>
+              <a:t>OPERATIONAL SCALE</a:t>
+            </a:r>
+          </a:p>
+        </p:txBody>
+      </p:sp>
+      <p:sp>
+        <p:nvSpPr>
+          <p:cNvPr id="31" name="TextBox 30"/>
+          <p:cNvSpPr txBox="1"/>
+          <p:nvPr/>
+        </p:nvSpPr>
+        <p:spPr>
+          <a:xfrm>
+            <a:off x="6202680" y="2971800"/>
+            <a:ext cx="2346960" cy="502920"/>
+          </a:xfrm>
+          <a:prstGeom prst="rect">
+            <a:avLst/>
+          </a:prstGeom>
+          <a:noFill/>
+        </p:spPr>
+        <p:txBody>
+          <a:bodyPr wrap="none">
+            <a:spAutoFit/>
+          </a:bodyPr>
+          <a:lstStyle/>
+          <a:p>
+            <a:pPr algn="l">
+              <a:defRPr sz="2000" b="1">
+                <a:solidFill>
+                  <a:srgbClr val="004C97"/>
+                </a:solidFill>
+                <a:latin typeface="Roboto"/>
+              </a:defRPr>
+            </a:pPr>
+            <a:r>
+              <a:t>2,110</a:t>
+            </a:r>
+          </a:p>
+        </p:txBody>
+      </p:sp>
+      <p:sp>
+        <p:nvSpPr>
+          <p:cNvPr id="32" name="TextBox 31"/>
+          <p:cNvSpPr txBox="1"/>
+          <p:nvPr/>
+        </p:nvSpPr>
+        <p:spPr>
+          <a:xfrm>
+            <a:off x="6202680" y="3429000"/>
+            <a:ext cx="2346960" cy="411480"/>
+          </a:xfrm>
+          <a:prstGeom prst="rect">
+            <a:avLst/>
+          </a:prstGeom>
+          <a:noFill/>
+        </p:spPr>
+        <p:txBody>
+          <a:bodyPr wrap="square">
+            <a:spAutoFit/>
+          </a:bodyPr>
+          <a:lstStyle/>
+          <a:p>
+            <a:pPr algn="l">
+              <a:defRPr sz="1000">
+                <a:solidFill>
+                  <a:srgbClr val="343741"/>
+                </a:solidFill>
+                <a:latin typeface="Roboto"/>
+              </a:defRPr>
+            </a:pPr>
+            <a:r>
+              <a:t>Alerts triaged, 1,690 client-touch</a:t>
             </a:r>
           </a:p>
         </p:txBody>
@@ -17786,7 +18475,7 @@
 </file>
 
 <file path=ppt/slides/slide4.xml><?xml version="1.0" encoding="utf-8"?>
-<p:sld xmlns:a="http://schemas.openxmlformats.org/drawingml/2006/main" xmlns:p="http://schemas.openxmlformats.org/presentationml/2006/main" xmlns:r="http://schemas.openxmlformats.org/officeDocument/2006/relationships">
+<p:sld xmlns:a="http://schemas.openxmlformats.org/drawingml/2006/main" xmlns:r="http://schemas.openxmlformats.org/officeDocument/2006/relationships" xmlns:p="http://schemas.openxmlformats.org/presentationml/2006/main">
   <p:cSld>
     <p:spTree>
       <p:nvGrpSpPr>
@@ -17794,7 +18483,14 @@
         <p:cNvGrpSpPr/>
         <p:nvPr/>
       </p:nvGrpSpPr>
-      <p:grpSpPr/>
+      <p:grpSpPr>
+        <a:xfrm>
+          <a:off x="0" y="0"/>
+          <a:ext cx="0" cy="0"/>
+          <a:chOff x="0" y="0"/>
+          <a:chExt cx="0" cy="0"/>
+        </a:xfrm>
+      </p:grpSpPr>
       <p:sp>
         <p:nvSpPr>
           <p:cNvPr id="2" name="TextBox 1"/>
@@ -18020,7 +18716,7 @@
         <p:spPr>
           <a:xfrm>
             <a:off x="457200" y="640080"/>
-            <a:ext cx="7315200" cy="731520"/>
+            <a:ext cx="7315200" cy="457200"/>
           </a:xfrm>
           <a:prstGeom prst="rect">
             <a:avLst/>
@@ -18034,7 +18730,7 @@
           <a:lstStyle/>
           <a:p>
             <a:pPr algn="l">
-              <a:defRPr sz="4800" b="1">
+              <a:defRPr sz="3600" b="1">
                 <a:solidFill>
                   <a:srgbClr val="004C97"/>
                 </a:solidFill>
@@ -18042,7 +18738,7 @@
               </a:defRPr>
             </a:pPr>
             <a:r>
-              <a:t>Period Highlights</a:t>
+              <a:t>Value &amp; Performance Details</a:t>
             </a:r>
           </a:p>
         </p:txBody>
@@ -18055,8 +18751,8 @@
         </p:nvSpPr>
         <p:spPr>
           <a:xfrm>
-            <a:off x="457200" y="1463040"/>
-            <a:ext cx="3429000" cy="1371600"/>
+            <a:off x="457200" y="1143000"/>
+            <a:ext cx="4023360" cy="1371600"/>
           </a:xfrm>
           <a:prstGeom prst="rect">
             <a:avLst/>
@@ -18089,6 +18785,7 @@
           <a:lstStyle/>
           <a:p>
             <a:pPr algn="ctr"/>
+            <a:endParaRPr/>
           </a:p>
         </p:txBody>
       </p:sp>
@@ -18100,8 +18797,80 @@
         </p:nvSpPr>
         <p:spPr>
           <a:xfrm>
-            <a:off x="640080" y="1600200"/>
-            <a:ext cx="3063240" cy="365760"/>
+            <a:off x="594360" y="1234440"/>
+            <a:ext cx="3749040" cy="228600"/>
+          </a:xfrm>
+          <a:prstGeom prst="rect">
+            <a:avLst/>
+          </a:prstGeom>
+          <a:noFill/>
+        </p:spPr>
+        <p:txBody>
+          <a:bodyPr wrap="none">
+            <a:spAutoFit/>
+          </a:bodyPr>
+          <a:lstStyle/>
+          <a:p>
+            <a:pPr algn="l">
+              <a:defRPr sz="1000" b="1">
+                <a:solidFill>
+                  <a:srgbClr val="343741"/>
+                </a:solidFill>
+                <a:latin typeface="Roboto"/>
+              </a:defRPr>
+            </a:pPr>
+            <a:r>
+              <a:t>MODELED COST EXPOSURE AVOIDED</a:t>
+            </a:r>
+          </a:p>
+        </p:txBody>
+      </p:sp>
+      <p:sp>
+        <p:nvSpPr>
+          <p:cNvPr id="11" name="TextBox 10"/>
+          <p:cNvSpPr txBox="1"/>
+          <p:nvPr/>
+        </p:nvSpPr>
+        <p:spPr>
+          <a:xfrm>
+            <a:off x="594360" y="1463040"/>
+            <a:ext cx="3749040" cy="640080"/>
+          </a:xfrm>
+          <a:prstGeom prst="rect">
+            <a:avLst/>
+          </a:prstGeom>
+          <a:noFill/>
+        </p:spPr>
+        <p:txBody>
+          <a:bodyPr wrap="none">
+            <a:spAutoFit/>
+          </a:bodyPr>
+          <a:lstStyle/>
+          <a:p>
+            <a:pPr algn="l">
+              <a:defRPr sz="4800" b="1">
+                <a:solidFill>
+                  <a:srgbClr val="004C97"/>
+                </a:solidFill>
+                <a:latin typeface="Roboto"/>
+              </a:defRPr>
+            </a:pPr>
+            <a:r>
+              <a:t>$7.55M</a:t>
+            </a:r>
+          </a:p>
+        </p:txBody>
+      </p:sp>
+      <p:sp>
+        <p:nvSpPr>
+          <p:cNvPr id="12" name="TextBox 11"/>
+          <p:cNvSpPr txBox="1"/>
+          <p:nvPr/>
+        </p:nvSpPr>
+        <p:spPr>
+          <a:xfrm>
+            <a:off x="594360" y="2057400"/>
+            <a:ext cx="3749040" cy="411480"/>
           </a:xfrm>
           <a:prstGeom prst="rect">
             <a:avLst/>
@@ -18115,43 +18884,7 @@
           <a:lstStyle/>
           <a:p>
             <a:pPr algn="l">
-              <a:defRPr sz="1800" b="1">
-                <a:solidFill>
-                  <a:srgbClr val="004C97"/>
-                </a:solidFill>
-                <a:latin typeface="Roboto"/>
-              </a:defRPr>
-            </a:pPr>
-            <a:r>
-              <a:t>Threat Outcomes</a:t>
-            </a:r>
-          </a:p>
-        </p:txBody>
-      </p:sp>
-      <p:sp>
-        <p:nvSpPr>
-          <p:cNvPr id="11" name="TextBox 10"/>
-          <p:cNvSpPr txBox="1"/>
-          <p:nvPr/>
-        </p:nvSpPr>
-        <p:spPr>
-          <a:xfrm>
-            <a:off x="640080" y="2011680"/>
-            <a:ext cx="3063240" cy="731520"/>
-          </a:xfrm>
-          <a:prstGeom prst="rect">
-            <a:avLst/>
-          </a:prstGeom>
-          <a:noFill/>
-        </p:spPr>
-        <p:txBody>
-          <a:bodyPr wrap="square">
-            <a:spAutoFit/>
-          </a:bodyPr>
-          <a:lstStyle/>
-          <a:p>
-            <a:pPr algn="l">
-              <a:defRPr sz="1400">
+              <a:defRPr sz="1000">
                 <a:solidFill>
                   <a:srgbClr val="343741"/>
                 </a:solidFill>
@@ -18159,21 +18892,21 @@
               </a:defRPr>
             </a:pPr>
             <a:r>
-              <a:t>11 threats contained, zero breaches</a:t>
-            </a:r>
-          </a:p>
-        </p:txBody>
-      </p:sp>
-      <p:sp>
-        <p:nvSpPr>
-          <p:cNvPr id="12" name="Rectangle 11"/>
+              <a:t>Breach exposure: $7.34M | Coverage: $163K | Analyst hours: $38K</a:t>
+            </a:r>
+          </a:p>
+        </p:txBody>
+      </p:sp>
+      <p:sp>
+        <p:nvSpPr>
+          <p:cNvPr id="13" name="Rectangle 12"/>
           <p:cNvSpPr/>
           <p:nvPr/>
         </p:nvSpPr>
         <p:spPr>
           <a:xfrm>
-            <a:off x="4160520" y="1463040"/>
-            <a:ext cx="3429000" cy="1371600"/>
+            <a:off x="4663440" y="1143000"/>
+            <a:ext cx="4023360" cy="1371600"/>
           </a:xfrm>
           <a:prstGeom prst="rect">
             <a:avLst/>
@@ -18206,19 +18939,92 @@
           <a:lstStyle/>
           <a:p>
             <a:pPr algn="ctr"/>
-          </a:p>
-        </p:txBody>
-      </p:sp>
-      <p:sp>
-        <p:nvSpPr>
-          <p:cNvPr id="13" name="TextBox 12"/>
-          <p:cNvSpPr txBox="1"/>
-          <p:nvPr/>
-        </p:nvSpPr>
-        <p:spPr>
-          <a:xfrm>
-            <a:off x="4343400" y="1600200"/>
-            <a:ext cx="3063240" cy="365760"/>
+            <a:endParaRPr/>
+          </a:p>
+        </p:txBody>
+      </p:sp>
+      <p:sp>
+        <p:nvSpPr>
+          <p:cNvPr id="14" name="TextBox 13"/>
+          <p:cNvSpPr txBox="1"/>
+          <p:nvPr/>
+        </p:nvSpPr>
+        <p:spPr>
+          <a:xfrm>
+            <a:off x="4800600" y="1234440"/>
+            <a:ext cx="3749040" cy="228600"/>
+          </a:xfrm>
+          <a:prstGeom prst="rect">
+            <a:avLst/>
+          </a:prstGeom>
+          <a:noFill/>
+        </p:spPr>
+        <p:txBody>
+          <a:bodyPr wrap="none">
+            <a:spAutoFit/>
+          </a:bodyPr>
+          <a:lstStyle/>
+          <a:p>
+            <a:pPr algn="l">
+              <a:defRPr sz="1000" b="1">
+                <a:solidFill>
+                  <a:srgbClr val="343741"/>
+                </a:solidFill>
+                <a:latin typeface="Roboto"/>
+              </a:defRPr>
+            </a:pPr>
+            <a:r>
+              <a:t>OPERATIONAL EFFICIENCY</a:t>
+            </a:r>
+          </a:p>
+        </p:txBody>
+      </p:sp>
+      <p:sp>
+        <p:nvSpPr>
+          <p:cNvPr id="15" name="TextBox 14"/>
+          <p:cNvSpPr txBox="1"/>
+          <p:nvPr/>
+        </p:nvSpPr>
+        <p:spPr>
+          <a:xfrm>
+            <a:off x="4800600" y="1463040"/>
+            <a:ext cx="3749040" cy="640080"/>
+          </a:xfrm>
+          <a:prstGeom prst="rect">
+            <a:avLst/>
+          </a:prstGeom>
+          <a:noFill/>
+        </p:spPr>
+        <p:txBody>
+          <a:bodyPr wrap="none">
+            <a:spAutoFit/>
+          </a:bodyPr>
+          <a:lstStyle/>
+          <a:p>
+            <a:pPr algn="l">
+              <a:defRPr sz="4800" b="1">
+                <a:solidFill>
+                  <a:srgbClr val="004C97"/>
+                </a:solidFill>
+                <a:latin typeface="Roboto"/>
+              </a:defRPr>
+            </a:pPr>
+            <a:r>
+              <a:t>420</a:t>
+            </a:r>
+          </a:p>
+        </p:txBody>
+      </p:sp>
+      <p:sp>
+        <p:nvSpPr>
+          <p:cNvPr id="16" name="TextBox 15"/>
+          <p:cNvSpPr txBox="1"/>
+          <p:nvPr/>
+        </p:nvSpPr>
+        <p:spPr>
+          <a:xfrm>
+            <a:off x="4800600" y="2057400"/>
+            <a:ext cx="3749040" cy="411480"/>
           </a:xfrm>
           <a:prstGeom prst="rect">
             <a:avLst/>
@@ -18232,43 +19038,7 @@
           <a:lstStyle/>
           <a:p>
             <a:pPr algn="l">
-              <a:defRPr sz="1800" b="1">
-                <a:solidFill>
-                  <a:srgbClr val="004C97"/>
-                </a:solidFill>
-                <a:latin typeface="Roboto"/>
-              </a:defRPr>
-            </a:pPr>
-            <a:r>
-              <a:t>Response Advantage</a:t>
-            </a:r>
-          </a:p>
-        </p:txBody>
-      </p:sp>
-      <p:sp>
-        <p:nvSpPr>
-          <p:cNvPr id="14" name="TextBox 13"/>
-          <p:cNvSpPr txBox="1"/>
-          <p:nvPr/>
-        </p:nvSpPr>
-        <p:spPr>
-          <a:xfrm>
-            <a:off x="4343400" y="2011680"/>
-            <a:ext cx="3063240" cy="731520"/>
-          </a:xfrm>
-          <a:prstGeom prst="rect">
-            <a:avLst/>
-          </a:prstGeom>
-          <a:noFill/>
-        </p:spPr>
-        <p:txBody>
-          <a:bodyPr wrap="square">
-            <a:spAutoFit/>
-          </a:bodyPr>
-          <a:lstStyle/>
-          <a:p>
-            <a:pPr algn="l">
-              <a:defRPr sz="1400">
+              <a:defRPr sz="1000">
                 <a:solidFill>
                   <a:srgbClr val="343741"/>
                 </a:solidFill>
@@ -18276,31 +19046,31 @@
               </a:defRPr>
             </a:pPr>
             <a:r>
-              <a:t>34% faster MTTR vs peers (126m vs 192m)</a:t>
-            </a:r>
-          </a:p>
-        </p:txBody>
-      </p:sp>
-      <p:sp>
-        <p:nvSpPr>
-          <p:cNvPr id="15" name="Rectangle 14"/>
+              <a:t>Incidents closed end-to-end by CS SOC</a:t>
+            </a:r>
+          </a:p>
+        </p:txBody>
+      </p:sp>
+      <p:sp>
+        <p:nvSpPr>
+          <p:cNvPr id="17" name="Rectangle 16"/>
           <p:cNvSpPr/>
           <p:nvPr/>
         </p:nvSpPr>
         <p:spPr>
           <a:xfrm>
-            <a:off x="457200" y="3108960"/>
-            <a:ext cx="3429000" cy="1371600"/>
+            <a:off x="457200" y="2697480"/>
+            <a:ext cx="2621280" cy="1234440"/>
           </a:xfrm>
           <a:prstGeom prst="rect">
             <a:avLst/>
           </a:prstGeom>
           <a:solidFill>
-            <a:srgbClr val="F0F8FF"/>
+            <a:srgbClr val="F8FAFC"/>
           </a:solidFill>
-          <a:ln w="25400">
+          <a:ln w="12700">
             <a:solidFill>
-              <a:srgbClr val="009CDE"/>
+              <a:srgbClr val="343741"/>
             </a:solidFill>
           </a:ln>
         </p:spPr>
@@ -18323,19 +19093,92 @@
           <a:lstStyle/>
           <a:p>
             <a:pPr algn="ctr"/>
-          </a:p>
-        </p:txBody>
-      </p:sp>
-      <p:sp>
-        <p:nvSpPr>
-          <p:cNvPr id="16" name="TextBox 15"/>
-          <p:cNvSpPr txBox="1"/>
-          <p:nvPr/>
-        </p:nvSpPr>
-        <p:spPr>
-          <a:xfrm>
-            <a:off x="640080" y="3246120"/>
-            <a:ext cx="3063240" cy="365760"/>
+            <a:endParaRPr/>
+          </a:p>
+        </p:txBody>
+      </p:sp>
+      <p:sp>
+        <p:nvSpPr>
+          <p:cNvPr id="18" name="TextBox 17"/>
+          <p:cNvSpPr txBox="1"/>
+          <p:nvPr/>
+        </p:nvSpPr>
+        <p:spPr>
+          <a:xfrm>
+            <a:off x="594360" y="2788920"/>
+            <a:ext cx="2346960" cy="228600"/>
+          </a:xfrm>
+          <a:prstGeom prst="rect">
+            <a:avLst/>
+          </a:prstGeom>
+          <a:noFill/>
+        </p:spPr>
+        <p:txBody>
+          <a:bodyPr wrap="none">
+            <a:spAutoFit/>
+          </a:bodyPr>
+          <a:lstStyle/>
+          <a:p>
+            <a:pPr algn="l">
+              <a:defRPr sz="1000" b="1">
+                <a:solidFill>
+                  <a:srgbClr val="343741"/>
+                </a:solidFill>
+                <a:latin typeface="Roboto"/>
+              </a:defRPr>
+            </a:pPr>
+            <a:r>
+              <a:t>MTTR</a:t>
+            </a:r>
+          </a:p>
+        </p:txBody>
+      </p:sp>
+      <p:sp>
+        <p:nvSpPr>
+          <p:cNvPr id="19" name="TextBox 18"/>
+          <p:cNvSpPr txBox="1"/>
+          <p:nvPr/>
+        </p:nvSpPr>
+        <p:spPr>
+          <a:xfrm>
+            <a:off x="594360" y="2971800"/>
+            <a:ext cx="2346960" cy="502920"/>
+          </a:xfrm>
+          <a:prstGeom prst="rect">
+            <a:avLst/>
+          </a:prstGeom>
+          <a:noFill/>
+        </p:spPr>
+        <p:txBody>
+          <a:bodyPr wrap="none">
+            <a:spAutoFit/>
+          </a:bodyPr>
+          <a:lstStyle/>
+          <a:p>
+            <a:pPr algn="l">
+              <a:defRPr sz="2000" b="1">
+                <a:solidFill>
+                  <a:srgbClr val="004C97"/>
+                </a:solidFill>
+                <a:latin typeface="Roboto"/>
+              </a:defRPr>
+            </a:pPr>
+            <a:r>
+              <a:t>126m</a:t>
+            </a:r>
+          </a:p>
+        </p:txBody>
+      </p:sp>
+      <p:sp>
+        <p:nvSpPr>
+          <p:cNvPr id="20" name="TextBox 19"/>
+          <p:cNvSpPr txBox="1"/>
+          <p:nvPr/>
+        </p:nvSpPr>
+        <p:spPr>
+          <a:xfrm>
+            <a:off x="594360" y="3429000"/>
+            <a:ext cx="2346960" cy="411480"/>
           </a:xfrm>
           <a:prstGeom prst="rect">
             <a:avLst/>
@@ -18349,43 +19192,7 @@
           <a:lstStyle/>
           <a:p>
             <a:pPr algn="l">
-              <a:defRPr sz="1800" b="1">
-                <a:solidFill>
-                  <a:srgbClr val="004C97"/>
-                </a:solidFill>
-                <a:latin typeface="Roboto"/>
-              </a:defRPr>
-            </a:pPr>
-            <a:r>
-              <a:t>24/7 Protection</a:t>
-            </a:r>
-          </a:p>
-        </p:txBody>
-      </p:sp>
-      <p:sp>
-        <p:nvSpPr>
-          <p:cNvPr id="17" name="TextBox 16"/>
-          <p:cNvSpPr txBox="1"/>
-          <p:nvPr/>
-        </p:nvSpPr>
-        <p:spPr>
-          <a:xfrm>
-            <a:off x="640080" y="3657600"/>
-            <a:ext cx="3063240" cy="731520"/>
-          </a:xfrm>
-          <a:prstGeom prst="rect">
-            <a:avLst/>
-          </a:prstGeom>
-          <a:noFill/>
-        </p:spPr>
-        <p:txBody>
-          <a:bodyPr wrap="square">
-            <a:spAutoFit/>
-          </a:bodyPr>
-          <a:lstStyle/>
-          <a:p>
-            <a:pPr algn="l">
-              <a:defRPr sz="1400">
+              <a:defRPr sz="1000">
                 <a:solidFill>
                   <a:srgbClr val="343741"/>
                 </a:solidFill>
@@ -18393,31 +19200,31 @@
               </a:defRPr>
             </a:pPr>
             <a:r>
-              <a:t>59% of escalations handled after-hours</a:t>
-            </a:r>
-          </a:p>
-        </p:txBody>
-      </p:sp>
-      <p:sp>
-        <p:nvSpPr>
-          <p:cNvPr id="18" name="Rectangle 17"/>
+              <a:t>Mean Time to Respond (P90: 87m)</a:t>
+            </a:r>
+          </a:p>
+        </p:txBody>
+      </p:sp>
+      <p:sp>
+        <p:nvSpPr>
+          <p:cNvPr id="21" name="Rectangle 20"/>
           <p:cNvSpPr/>
           <p:nvPr/>
         </p:nvSpPr>
         <p:spPr>
           <a:xfrm>
-            <a:off x="4160520" y="3108960"/>
-            <a:ext cx="3429000" cy="1371600"/>
+            <a:off x="3261360" y="2697480"/>
+            <a:ext cx="2621280" cy="1234440"/>
           </a:xfrm>
           <a:prstGeom prst="rect">
             <a:avLst/>
           </a:prstGeom>
           <a:solidFill>
-            <a:srgbClr val="F0F8FF"/>
+            <a:srgbClr val="F8FAFC"/>
           </a:solidFill>
-          <a:ln w="25400">
+          <a:ln w="12700">
             <a:solidFill>
-              <a:srgbClr val="009CDE"/>
+              <a:srgbClr val="343741"/>
             </a:solidFill>
           </a:ln>
         </p:spPr>
@@ -18440,19 +19247,92 @@
           <a:lstStyle/>
           <a:p>
             <a:pPr algn="ctr"/>
-          </a:p>
-        </p:txBody>
-      </p:sp>
-      <p:sp>
-        <p:nvSpPr>
-          <p:cNvPr id="19" name="TextBox 18"/>
-          <p:cNvSpPr txBox="1"/>
-          <p:nvPr/>
-        </p:nvSpPr>
-        <p:spPr>
-          <a:xfrm>
-            <a:off x="4343400" y="3246120"/>
-            <a:ext cx="3063240" cy="365760"/>
+            <a:endParaRPr/>
+          </a:p>
+        </p:txBody>
+      </p:sp>
+      <p:sp>
+        <p:nvSpPr>
+          <p:cNvPr id="22" name="TextBox 21"/>
+          <p:cNvSpPr txBox="1"/>
+          <p:nvPr/>
+        </p:nvSpPr>
+        <p:spPr>
+          <a:xfrm>
+            <a:off x="3398520" y="2788920"/>
+            <a:ext cx="2346960" cy="228600"/>
+          </a:xfrm>
+          <a:prstGeom prst="rect">
+            <a:avLst/>
+          </a:prstGeom>
+          <a:noFill/>
+        </p:spPr>
+        <p:txBody>
+          <a:bodyPr wrap="none">
+            <a:spAutoFit/>
+          </a:bodyPr>
+          <a:lstStyle/>
+          <a:p>
+            <a:pPr algn="l">
+              <a:defRPr sz="1000" b="1">
+                <a:solidFill>
+                  <a:srgbClr val="343741"/>
+                </a:solidFill>
+                <a:latin typeface="Roboto"/>
+              </a:defRPr>
+            </a:pPr>
+            <a:r>
+              <a:t>MTTD</a:t>
+            </a:r>
+          </a:p>
+        </p:txBody>
+      </p:sp>
+      <p:sp>
+        <p:nvSpPr>
+          <p:cNvPr id="23" name="TextBox 22"/>
+          <p:cNvSpPr txBox="1"/>
+          <p:nvPr/>
+        </p:nvSpPr>
+        <p:spPr>
+          <a:xfrm>
+            <a:off x="3398520" y="2971800"/>
+            <a:ext cx="2346960" cy="502920"/>
+          </a:xfrm>
+          <a:prstGeom prst="rect">
+            <a:avLst/>
+          </a:prstGeom>
+          <a:noFill/>
+        </p:spPr>
+        <p:txBody>
+          <a:bodyPr wrap="none">
+            <a:spAutoFit/>
+          </a:bodyPr>
+          <a:lstStyle/>
+          <a:p>
+            <a:pPr algn="l">
+              <a:defRPr sz="2000" b="1">
+                <a:solidFill>
+                  <a:srgbClr val="004C97"/>
+                </a:solidFill>
+                <a:latin typeface="Roboto"/>
+              </a:defRPr>
+            </a:pPr>
+            <a:r>
+              <a:t>4m</a:t>
+            </a:r>
+          </a:p>
+        </p:txBody>
+      </p:sp>
+      <p:sp>
+        <p:nvSpPr>
+          <p:cNvPr id="24" name="TextBox 23"/>
+          <p:cNvSpPr txBox="1"/>
+          <p:nvPr/>
+        </p:nvSpPr>
+        <p:spPr>
+          <a:xfrm>
+            <a:off x="3398520" y="3429000"/>
+            <a:ext cx="2346960" cy="411480"/>
           </a:xfrm>
           <a:prstGeom prst="rect">
             <a:avLst/>
@@ -18466,7 +19346,125 @@
           <a:lstStyle/>
           <a:p>
             <a:pPr algn="l">
-              <a:defRPr sz="1800" b="1">
+              <a:defRPr sz="1000">
+                <a:solidFill>
+                  <a:srgbClr val="343741"/>
+                </a:solidFill>
+                <a:latin typeface="Roboto"/>
+              </a:defRPr>
+            </a:pPr>
+            <a:r>
+              <a:t>Mean Time to Detect</a:t>
+            </a:r>
+          </a:p>
+        </p:txBody>
+      </p:sp>
+      <p:sp>
+        <p:nvSpPr>
+          <p:cNvPr id="25" name="Rectangle 24"/>
+          <p:cNvSpPr/>
+          <p:nvPr/>
+        </p:nvSpPr>
+        <p:spPr>
+          <a:xfrm>
+            <a:off x="6065520" y="2697480"/>
+            <a:ext cx="2621280" cy="1234440"/>
+          </a:xfrm>
+          <a:prstGeom prst="rect">
+            <a:avLst/>
+          </a:prstGeom>
+          <a:solidFill>
+            <a:srgbClr val="F8FAFC"/>
+          </a:solidFill>
+          <a:ln w="12700">
+            <a:solidFill>
+              <a:srgbClr val="343741"/>
+            </a:solidFill>
+          </a:ln>
+        </p:spPr>
+        <p:style>
+          <a:lnRef idx="1">
+            <a:schemeClr val="accent1"/>
+          </a:lnRef>
+          <a:fillRef idx="3">
+            <a:schemeClr val="accent1"/>
+          </a:fillRef>
+          <a:effectRef idx="2">
+            <a:schemeClr val="accent1"/>
+          </a:effectRef>
+          <a:fontRef idx="minor">
+            <a:schemeClr val="lt1"/>
+          </a:fontRef>
+        </p:style>
+        <p:txBody>
+          <a:bodyPr rtlCol="0" anchor="ctr"/>
+          <a:lstStyle/>
+          <a:p>
+            <a:pPr algn="ctr"/>
+            <a:endParaRPr/>
+          </a:p>
+        </p:txBody>
+      </p:sp>
+      <p:sp>
+        <p:nvSpPr>
+          <p:cNvPr id="26" name="TextBox 25"/>
+          <p:cNvSpPr txBox="1"/>
+          <p:nvPr/>
+        </p:nvSpPr>
+        <p:spPr>
+          <a:xfrm>
+            <a:off x="6202680" y="2788920"/>
+            <a:ext cx="2346960" cy="228600"/>
+          </a:xfrm>
+          <a:prstGeom prst="rect">
+            <a:avLst/>
+          </a:prstGeom>
+          <a:noFill/>
+        </p:spPr>
+        <p:txBody>
+          <a:bodyPr wrap="none">
+            <a:spAutoFit/>
+          </a:bodyPr>
+          <a:lstStyle/>
+          <a:p>
+            <a:pPr algn="l">
+              <a:defRPr sz="1000" b="1">
+                <a:solidFill>
+                  <a:srgbClr val="343741"/>
+                </a:solidFill>
+                <a:latin typeface="Roboto"/>
+              </a:defRPr>
+            </a:pPr>
+            <a:r>
+              <a:t>INDUSTRY COMPARISON</a:t>
+            </a:r>
+          </a:p>
+        </p:txBody>
+      </p:sp>
+      <p:sp>
+        <p:nvSpPr>
+          <p:cNvPr id="27" name="TextBox 26"/>
+          <p:cNvSpPr txBox="1"/>
+          <p:nvPr/>
+        </p:nvSpPr>
+        <p:spPr>
+          <a:xfrm>
+            <a:off x="6202680" y="2971800"/>
+            <a:ext cx="2346960" cy="502920"/>
+          </a:xfrm>
+          <a:prstGeom prst="rect">
+            <a:avLst/>
+          </a:prstGeom>
+          <a:noFill/>
+        </p:spPr>
+        <p:txBody>
+          <a:bodyPr wrap="none">
+            <a:spAutoFit/>
+          </a:bodyPr>
+          <a:lstStyle/>
+          <a:p>
+            <a:pPr algn="l">
+              <a:defRPr sz="2000" b="1">
                 <a:solidFill>
                   <a:srgbClr val="004C97"/>
                 </a:solidFill>
@@ -18474,21 +19472,21 @@
               </a:defRPr>
             </a:pPr>
             <a:r>
-              <a:t>Detection Quality</a:t>
-            </a:r>
-          </a:p>
-        </p:txBody>
-      </p:sp>
-      <p:sp>
-        <p:nvSpPr>
-          <p:cNvPr id="20" name="TextBox 19"/>
-          <p:cNvSpPr txBox="1"/>
-          <p:nvPr/>
-        </p:nvSpPr>
-        <p:spPr>
-          <a:xfrm>
-            <a:off x="4343400" y="3657600"/>
-            <a:ext cx="3063240" cy="731520"/>
+              <a:t>34%</a:t>
+            </a:r>
+          </a:p>
+        </p:txBody>
+      </p:sp>
+      <p:sp>
+        <p:nvSpPr>
+          <p:cNvPr id="28" name="TextBox 27"/>
+          <p:cNvSpPr txBox="1"/>
+          <p:nvPr/>
+        </p:nvSpPr>
+        <p:spPr>
+          <a:xfrm>
+            <a:off x="6202680" y="3429000"/>
+            <a:ext cx="2346960" cy="411480"/>
           </a:xfrm>
           <a:prstGeom prst="rect">
             <a:avLst/>
@@ -18502,7 +19500,7 @@
           <a:lstStyle/>
           <a:p>
             <a:pPr algn="l">
-              <a:defRPr sz="1400">
+              <a:defRPr sz="1000">
                 <a:solidFill>
                   <a:srgbClr val="343741"/>
                 </a:solidFill>
@@ -18510,7 +19508,7 @@
               </a:defRPr>
             </a:pPr>
             <a:r>
-              <a:t>9.0% false positive rate</a:t>
+              <a:t>Faster response, 36% faster detection</a:t>
             </a:r>
           </a:p>
         </p:txBody>
@@ -18524,7 +19522,7 @@
 </file>
 
 <file path=ppt/slides/slide5.xml><?xml version="1.0" encoding="utf-8"?>
-<p:sld xmlns:a="http://schemas.openxmlformats.org/drawingml/2006/main" xmlns:p="http://schemas.openxmlformats.org/presentationml/2006/main" xmlns:r="http://schemas.openxmlformats.org/officeDocument/2006/relationships">
+<p:sld xmlns:a="http://schemas.openxmlformats.org/drawingml/2006/main" xmlns:r="http://schemas.openxmlformats.org/officeDocument/2006/relationships" xmlns:p="http://schemas.openxmlformats.org/presentationml/2006/main">
   <p:cSld>
     <p:spTree>
       <p:nvGrpSpPr>
@@ -18532,7 +19530,14 @@
         <p:cNvGrpSpPr/>
         <p:nvPr/>
       </p:nvGrpSpPr>
-      <p:grpSpPr/>
+      <p:grpSpPr>
+        <a:xfrm>
+          <a:off x="0" y="0"/>
+          <a:ext cx="0" cy="0"/>
+          <a:chOff x="0" y="0"/>
+          <a:chExt cx="0" cy="0"/>
+        </a:xfrm>
+      </p:grpSpPr>
       <p:sp>
         <p:nvSpPr>
           <p:cNvPr id="2" name="Rectangle 1"/>
@@ -18573,6 +19578,7 @@
           <a:lstStyle/>
           <a:p>
             <a:pPr algn="ctr"/>
+            <a:endParaRPr/>
           </a:p>
         </p:txBody>
       </p:sp>
@@ -18601,7 +19607,7 @@
             <a:pPr algn="l">
               <a:defRPr sz="900" b="0">
                 <a:solidFill>
-                  <a:srgbClr val="343741"/>
+                  <a:srgbClr val="FFFFFF"/>
                 </a:solidFill>
                 <a:latin typeface="Roboto"/>
               </a:defRPr>
@@ -18637,7 +19643,7 @@
             <a:pPr algn="ctr">
               <a:defRPr sz="900" b="0">
                 <a:solidFill>
-                  <a:srgbClr val="343741"/>
+                  <a:srgbClr val="FFFFFF"/>
                 </a:solidFill>
                 <a:latin typeface="Roboto"/>
               </a:defRPr>
@@ -18673,7 +19679,7 @@
             <a:pPr algn="r">
               <a:defRPr sz="900" b="0">
                 <a:solidFill>
-                  <a:srgbClr val="343741"/>
+                  <a:srgbClr val="FFFFFF"/>
                 </a:solidFill>
                 <a:latin typeface="Roboto"/>
               </a:defRPr>
@@ -18709,7 +19715,7 @@
             <a:pPr algn="l">
               <a:defRPr sz="900" b="0">
                 <a:solidFill>
-                  <a:srgbClr val="343741"/>
+                  <a:srgbClr val="FFFFFF"/>
                 </a:solidFill>
                 <a:latin typeface="Roboto"/>
               </a:defRPr>
@@ -18745,7 +19751,7 @@
             <a:pPr algn="ctr">
               <a:defRPr sz="900" b="0">
                 <a:solidFill>
-                  <a:srgbClr val="343741"/>
+                  <a:srgbClr val="FFFFFF"/>
                 </a:solidFill>
                 <a:latin typeface="Roboto"/>
               </a:defRPr>
@@ -18781,7 +19787,7 @@
             <a:pPr algn="r">
               <a:defRPr sz="900" b="0">
                 <a:solidFill>
-                  <a:srgbClr val="343741"/>
+                  <a:srgbClr val="FFFFFF"/>
                 </a:solidFill>
                 <a:latin typeface="Roboto"/>
               </a:defRPr>
@@ -18815,7 +19821,7 @@
           <a:lstStyle/>
           <a:p>
             <a:pPr algn="ctr">
-              <a:defRPr sz="7200" b="1">
+              <a:defRPr sz="4800" b="1">
                 <a:solidFill>
                   <a:srgbClr val="FFFFFF"/>
                 </a:solidFill>
@@ -18851,7 +19857,7 @@
           <a:lstStyle/>
           <a:p>
             <a:pPr algn="ctr">
-              <a:defRPr sz="2700" b="0">
+              <a:defRPr sz="2000" b="0">
                 <a:solidFill>
                   <a:srgbClr val="FFFFFF"/>
                 </a:solidFill>
@@ -18873,7 +19879,7 @@
 </file>
 
 <file path=ppt/slides/slide6.xml><?xml version="1.0" encoding="utf-8"?>
-<p:sld xmlns:a="http://schemas.openxmlformats.org/drawingml/2006/main" xmlns:p="http://schemas.openxmlformats.org/presentationml/2006/main" xmlns:r="http://schemas.openxmlformats.org/officeDocument/2006/relationships">
+<p:sld xmlns:a="http://schemas.openxmlformats.org/drawingml/2006/main" xmlns:r="http://schemas.openxmlformats.org/officeDocument/2006/relationships" xmlns:p="http://schemas.openxmlformats.org/presentationml/2006/main">
   <p:cSld>
     <p:spTree>
       <p:nvGrpSpPr>
@@ -18881,7 +19887,14 @@
         <p:cNvGrpSpPr/>
         <p:nvPr/>
       </p:nvGrpSpPr>
-      <p:grpSpPr/>
+      <p:grpSpPr>
+        <a:xfrm>
+          <a:off x="0" y="0"/>
+          <a:ext cx="0" cy="0"/>
+          <a:chOff x="0" y="0"/>
+          <a:chExt cx="0" cy="0"/>
+        </a:xfrm>
+      </p:grpSpPr>
       <p:sp>
         <p:nvSpPr>
           <p:cNvPr id="2" name="TextBox 1"/>
@@ -19121,7 +20134,7 @@
           <a:lstStyle/>
           <a:p>
             <a:pPr algn="ctr">
-              <a:defRPr sz="4800" b="1">
+              <a:defRPr sz="3600" b="1">
                 <a:solidFill>
                   <a:srgbClr val="004C97"/>
                 </a:solidFill>
@@ -19157,7 +20170,7 @@
           <a:lstStyle/>
           <a:p>
             <a:pPr algn="ctr">
-              <a:defRPr sz="11400" b="1">
+              <a:defRPr sz="7200" b="1">
                 <a:solidFill>
                   <a:srgbClr val="004C97"/>
                 </a:solidFill>
@@ -19193,7 +20206,7 @@
           <a:lstStyle/>
           <a:p>
             <a:pPr algn="ctr">
-              <a:defRPr sz="1800">
+              <a:defRPr sz="1400">
                 <a:solidFill>
                   <a:srgbClr val="343741"/>
                 </a:solidFill>
@@ -19251,7 +20264,7 @@
 </file>
 
 <file path=ppt/slides/slide7.xml><?xml version="1.0" encoding="utf-8"?>
-<p:sld xmlns:a="http://schemas.openxmlformats.org/drawingml/2006/main" xmlns:p="http://schemas.openxmlformats.org/presentationml/2006/main" xmlns:r="http://schemas.openxmlformats.org/officeDocument/2006/relationships">
+<p:sld xmlns:a="http://schemas.openxmlformats.org/drawingml/2006/main" xmlns:r="http://schemas.openxmlformats.org/officeDocument/2006/relationships" xmlns:p="http://schemas.openxmlformats.org/presentationml/2006/main">
   <p:cSld>
     <p:spTree>
       <p:nvGrpSpPr>
@@ -19259,7 +20272,14 @@
         <p:cNvGrpSpPr/>
         <p:nvPr/>
       </p:nvGrpSpPr>
-      <p:grpSpPr/>
+      <p:grpSpPr>
+        <a:xfrm>
+          <a:off x="0" y="0"/>
+          <a:ext cx="0" cy="0"/>
+          <a:chOff x="0" y="0"/>
+          <a:chExt cx="0" cy="0"/>
+        </a:xfrm>
+      </p:grpSpPr>
       <p:sp>
         <p:nvSpPr>
           <p:cNvPr id="2" name="TextBox 1"/>
@@ -19499,7 +20519,7 @@
           <a:lstStyle/>
           <a:p>
             <a:pPr algn="l">
-              <a:defRPr sz="4800" b="1">
+              <a:defRPr sz="3600" b="1">
                 <a:solidFill>
                   <a:srgbClr val="004C97"/>
                 </a:solidFill>
@@ -19554,6 +20574,7 @@
           <a:lstStyle/>
           <a:p>
             <a:pPr algn="ctr"/>
+            <a:endParaRPr/>
           </a:p>
         </p:txBody>
       </p:sp>
@@ -19707,6 +20728,7 @@
           <a:lstStyle/>
           <a:p>
             <a:pPr algn="ctr"/>
+            <a:endParaRPr/>
           </a:p>
         </p:txBody>
       </p:sp>
@@ -19860,6 +20882,7 @@
           <a:lstStyle/>
           <a:p>
             <a:pPr algn="ctr"/>
+            <a:endParaRPr/>
           </a:p>
         </p:txBody>
       </p:sp>
@@ -20016,7 +21039,7 @@
 </file>
 
 <file path=ppt/slides/slide8.xml><?xml version="1.0" encoding="utf-8"?>
-<p:sld xmlns:a="http://schemas.openxmlformats.org/drawingml/2006/main" xmlns:p="http://schemas.openxmlformats.org/presentationml/2006/main" xmlns:r="http://schemas.openxmlformats.org/officeDocument/2006/relationships">
+<p:sld xmlns:a="http://schemas.openxmlformats.org/drawingml/2006/main" xmlns:r="http://schemas.openxmlformats.org/officeDocument/2006/relationships" xmlns:p="http://schemas.openxmlformats.org/presentationml/2006/main">
   <p:cSld>
     <p:spTree>
       <p:nvGrpSpPr>
@@ -20024,7 +21047,14 @@
         <p:cNvGrpSpPr/>
         <p:nvPr/>
       </p:nvGrpSpPr>
-      <p:grpSpPr/>
+      <p:grpSpPr>
+        <a:xfrm>
+          <a:off x="0" y="0"/>
+          <a:ext cx="0" cy="0"/>
+          <a:chOff x="0" y="0"/>
+          <a:chExt cx="0" cy="0"/>
+        </a:xfrm>
+      </p:grpSpPr>
       <p:sp>
         <p:nvSpPr>
           <p:cNvPr id="2" name="TextBox 1"/>
@@ -20264,7 +21294,7 @@
           <a:lstStyle/>
           <a:p>
             <a:pPr algn="l">
-              <a:defRPr sz="4800" b="1">
+              <a:defRPr sz="3600" b="1">
                 <a:solidFill>
                   <a:srgbClr val="004C97"/>
                 </a:solidFill>
@@ -20294,7 +21324,7 @@
           <a:noFill/>
         </p:spPr>
         <p:txBody>
-          <a:bodyPr wrap="square" lIns="274320" rIns="274320" tIns="182880" bIns="182880">
+          <a:bodyPr wrap="square" lIns="274320" tIns="182880" rIns="274320" bIns="182880">
             <a:spAutoFit/>
           </a:bodyPr>
           <a:lstStyle/>
@@ -20303,7 +21333,7 @@
               <a:spcAft>
                 <a:spcPts val="1200"/>
               </a:spcAft>
-              <a:defRPr sz="1800" b="0">
+              <a:defRPr sz="1400" b="0">
                 <a:solidFill>
                   <a:srgbClr val="343741"/>
                 </a:solidFill>
@@ -20319,7 +21349,7 @@
               <a:spcAft>
                 <a:spcPts val="1200"/>
               </a:spcAft>
-              <a:defRPr sz="1800" b="0">
+              <a:defRPr sz="1400" b="0">
                 <a:solidFill>
                   <a:srgbClr val="343741"/>
                 </a:solidFill>
@@ -20335,7 +21365,7 @@
               <a:spcAft>
                 <a:spcPts val="1200"/>
               </a:spcAft>
-              <a:defRPr sz="1800" b="0">
+              <a:defRPr sz="1400" b="0">
                 <a:solidFill>
                   <a:srgbClr val="343741"/>
                 </a:solidFill>
@@ -20351,7 +21381,7 @@
               <a:spcAft>
                 <a:spcPts val="1200"/>
               </a:spcAft>
-              <a:defRPr sz="1800" b="0">
+              <a:defRPr sz="1400" b="0">
                 <a:solidFill>
                   <a:srgbClr val="343741"/>
                 </a:solidFill>
@@ -20367,7 +21397,7 @@
               <a:spcAft>
                 <a:spcPts val="1200"/>
               </a:spcAft>
-              <a:defRPr sz="1800" b="0">
+              <a:defRPr sz="1400" b="0">
                 <a:solidFill>
                   <a:srgbClr val="343741"/>
                 </a:solidFill>
@@ -20383,7 +21413,7 @@
               <a:spcAft>
                 <a:spcPts val="1200"/>
               </a:spcAft>
-              <a:defRPr sz="1800" b="0">
+              <a:defRPr sz="1400" b="0">
                 <a:solidFill>
                   <a:srgbClr val="343741"/>
                 </a:solidFill>
@@ -20399,7 +21429,7 @@
               <a:spcAft>
                 <a:spcPts val="1200"/>
               </a:spcAft>
-              <a:defRPr sz="1800" b="0">
+              <a:defRPr sz="1400" b="0">
                 <a:solidFill>
                   <a:srgbClr val="343741"/>
                 </a:solidFill>
@@ -20415,7 +21445,7 @@
               <a:spcAft>
                 <a:spcPts val="1200"/>
               </a:spcAft>
-              <a:defRPr sz="1800" b="0">
+              <a:defRPr sz="1400" b="0">
                 <a:solidFill>
                   <a:srgbClr val="343741"/>
                 </a:solidFill>
@@ -20437,7 +21467,7 @@
 </file>
 
 <file path=ppt/slides/slide9.xml><?xml version="1.0" encoding="utf-8"?>
-<p:sld xmlns:a="http://schemas.openxmlformats.org/drawingml/2006/main" xmlns:p="http://schemas.openxmlformats.org/presentationml/2006/main" xmlns:r="http://schemas.openxmlformats.org/officeDocument/2006/relationships">
+<p:sld xmlns:a="http://schemas.openxmlformats.org/drawingml/2006/main" xmlns:r="http://schemas.openxmlformats.org/officeDocument/2006/relationships" xmlns:p="http://schemas.openxmlformats.org/presentationml/2006/main">
   <p:cSld>
     <p:spTree>
       <p:nvGrpSpPr>
@@ -20445,7 +21475,14 @@
         <p:cNvGrpSpPr/>
         <p:nvPr/>
       </p:nvGrpSpPr>
-      <p:grpSpPr/>
+      <p:grpSpPr>
+        <a:xfrm>
+          <a:off x="0" y="0"/>
+          <a:ext cx="0" cy="0"/>
+          <a:chOff x="0" y="0"/>
+          <a:chExt cx="0" cy="0"/>
+        </a:xfrm>
+      </p:grpSpPr>
       <p:sp>
         <p:nvSpPr>
           <p:cNvPr id="2" name="Rectangle 1"/>
@@ -20486,6 +21523,7 @@
           <a:lstStyle/>
           <a:p>
             <a:pPr algn="ctr"/>
+            <a:endParaRPr/>
           </a:p>
         </p:txBody>
       </p:sp>
@@ -20514,7 +21552,7 @@
             <a:pPr algn="l">
               <a:defRPr sz="900" b="0">
                 <a:solidFill>
-                  <a:srgbClr val="343741"/>
+                  <a:srgbClr val="FFFFFF"/>
                 </a:solidFill>
                 <a:latin typeface="Roboto"/>
               </a:defRPr>
@@ -20550,7 +21588,7 @@
             <a:pPr algn="ctr">
               <a:defRPr sz="900" b="0">
                 <a:solidFill>
-                  <a:srgbClr val="343741"/>
+                  <a:srgbClr val="FFFFFF"/>
                 </a:solidFill>
                 <a:latin typeface="Roboto"/>
               </a:defRPr>
@@ -20586,7 +21624,7 @@
             <a:pPr algn="r">
               <a:defRPr sz="900" b="0">
                 <a:solidFill>
-                  <a:srgbClr val="343741"/>
+                  <a:srgbClr val="FFFFFF"/>
                 </a:solidFill>
                 <a:latin typeface="Roboto"/>
               </a:defRPr>
@@ -20622,7 +21660,7 @@
             <a:pPr algn="l">
               <a:defRPr sz="900" b="0">
                 <a:solidFill>
-                  <a:srgbClr val="343741"/>
+                  <a:srgbClr val="FFFFFF"/>
                 </a:solidFill>
                 <a:latin typeface="Roboto"/>
               </a:defRPr>
@@ -20658,7 +21696,7 @@
             <a:pPr algn="ctr">
               <a:defRPr sz="900" b="0">
                 <a:solidFill>
-                  <a:srgbClr val="343741"/>
+                  <a:srgbClr val="FFFFFF"/>
                 </a:solidFill>
                 <a:latin typeface="Roboto"/>
               </a:defRPr>
@@ -20694,7 +21732,7 @@
             <a:pPr algn="r">
               <a:defRPr sz="900" b="0">
                 <a:solidFill>
-                  <a:srgbClr val="343741"/>
+                  <a:srgbClr val="FFFFFF"/>
                 </a:solidFill>
                 <a:latin typeface="Roboto"/>
               </a:defRPr>
@@ -20728,7 +21766,7 @@
           <a:lstStyle/>
           <a:p>
             <a:pPr algn="ctr">
-              <a:defRPr sz="7200" b="1">
+              <a:defRPr sz="4800" b="1">
                 <a:solidFill>
                   <a:srgbClr val="FFFFFF"/>
                 </a:solidFill>
@@ -20764,7 +21802,7 @@
           <a:lstStyle/>
           <a:p>
             <a:pPr algn="ctr">
-              <a:defRPr sz="2700" b="0">
+              <a:defRPr sz="2000" b="0">
                 <a:solidFill>
                   <a:srgbClr val="FFFFFF"/>
                 </a:solidFill>
